--- a/Problem Solving Exercise II.pptx
+++ b/Problem Solving Exercise II.pptx
@@ -1,21 +1,19 @@
 
 <file path=ppt/presentation.xml><?xml version="1.0" encoding="utf-8"?>
-<p:presentation xmlns:a="http://schemas.openxmlformats.org/drawingml/2006/main" xmlns:r="http://schemas.openxmlformats.org/officeDocument/2006/relationships" xmlns:p="http://schemas.openxmlformats.org/presentationml/2006/main" saveSubsetFonts="1">
+<p:presentation xmlns:a="http://schemas.openxmlformats.org/drawingml/2006/main" xmlns:r="http://schemas.openxmlformats.org/officeDocument/2006/relationships" xmlns:p="http://schemas.openxmlformats.org/presentationml/2006/main">
   <p:sldMasterIdLst>
     <p:sldMasterId id="2147483648" r:id="rId1"/>
   </p:sldMasterIdLst>
   <p:sldIdLst>
-    <p:sldId id="256" r:id="rId2"/>
-    <p:sldId id="257" r:id="rId3"/>
-    <p:sldId id="258" r:id="rId4"/>
-    <p:sldId id="259" r:id="rId5"/>
-    <p:sldId id="260" r:id="rId6"/>
-    <p:sldId id="261" r:id="rId7"/>
+    <p:sldId id="256" r:id="rId3"/>
+    <p:sldId id="257" r:id="rId4"/>
+    <p:sldId id="258" r:id="rId5"/>
+    <p:sldId id="259" r:id="rId6"/>
+    <p:sldId id="260" r:id="rId7"/>
     <p:sldId id="262" r:id="rId8"/>
     <p:sldId id="263" r:id="rId9"/>
     <p:sldId id="264" r:id="rId10"/>
-    <p:sldId id="265" r:id="rId11"/>
-    <p:sldId id="266" r:id="rId12"/>
+    <p:sldId id="266" r:id="rId11"/>
   </p:sldIdLst>
   <p:sldSz cx="12192000" cy="6858000"/>
   <p:notesSz cx="6858000" cy="9144000"/>
@@ -248,7 +246,6 @@
           <a:p>
             <a:fld id="{58E94E62-99CB-4F72-905F-DA5D345A9F93}" type="datetimeFigureOut">
               <a:rPr lang="en-US" smtClean="0"/>
-              <a:t>4/29/2021</a:t>
             </a:fld>
             <a:endParaRPr lang="en-US"/>
           </a:p>
@@ -290,18 +287,12 @@
           <a:p>
             <a:fld id="{558BDF1D-0C20-408E-91F9-16CB0EA5F754}" type="slidenum">
               <a:rPr lang="en-US" smtClean="0"/>
-              <a:t>‹#›</a:t>
             </a:fld>
             <a:endParaRPr lang="en-US"/>
           </a:p>
         </p:txBody>
       </p:sp>
     </p:spTree>
-    <p:extLst>
-      <p:ext uri="{BB962C8B-B14F-4D97-AF65-F5344CB8AC3E}">
-        <p14:creationId xmlns:p14="http://schemas.microsoft.com/office/powerpoint/2010/main" val="1118050115"/>
-      </p:ext>
-    </p:extLst>
   </p:cSld>
   <p:clrMapOvr>
     <a:masterClrMapping/>
@@ -369,6 +360,7 @@
               <a:rPr lang="en-US" smtClean="0"/>
               <a:t>Edit Master text styles</a:t>
             </a:r>
+            <a:endParaRPr lang="en-US" smtClean="0"/>
           </a:p>
           <a:p>
             <a:pPr lvl="1"/>
@@ -376,6 +368,7 @@
               <a:rPr lang="en-US" smtClean="0"/>
               <a:t>Second level</a:t>
             </a:r>
+            <a:endParaRPr lang="en-US" smtClean="0"/>
           </a:p>
           <a:p>
             <a:pPr lvl="2"/>
@@ -383,6 +376,7 @@
               <a:rPr lang="en-US" smtClean="0"/>
               <a:t>Third level</a:t>
             </a:r>
+            <a:endParaRPr lang="en-US" smtClean="0"/>
           </a:p>
           <a:p>
             <a:pPr lvl="3"/>
@@ -390,6 +384,7 @@
               <a:rPr lang="en-US" smtClean="0"/>
               <a:t>Fourth level</a:t>
             </a:r>
+            <a:endParaRPr lang="en-US" smtClean="0"/>
           </a:p>
           <a:p>
             <a:pPr lvl="4"/>
@@ -418,7 +413,6 @@
           <a:p>
             <a:fld id="{58E94E62-99CB-4F72-905F-DA5D345A9F93}" type="datetimeFigureOut">
               <a:rPr lang="en-US" smtClean="0"/>
-              <a:t>4/29/2021</a:t>
             </a:fld>
             <a:endParaRPr lang="en-US"/>
           </a:p>
@@ -460,18 +454,12 @@
           <a:p>
             <a:fld id="{558BDF1D-0C20-408E-91F9-16CB0EA5F754}" type="slidenum">
               <a:rPr lang="en-US" smtClean="0"/>
-              <a:t>‹#›</a:t>
             </a:fld>
             <a:endParaRPr lang="en-US"/>
           </a:p>
         </p:txBody>
       </p:sp>
     </p:spTree>
-    <p:extLst>
-      <p:ext uri="{BB962C8B-B14F-4D97-AF65-F5344CB8AC3E}">
-        <p14:creationId xmlns:p14="http://schemas.microsoft.com/office/powerpoint/2010/main" val="2722622568"/>
-      </p:ext>
-    </p:extLst>
   </p:cSld>
   <p:clrMapOvr>
     <a:masterClrMapping/>
@@ -549,6 +537,7 @@
               <a:rPr lang="en-US" smtClean="0"/>
               <a:t>Edit Master text styles</a:t>
             </a:r>
+            <a:endParaRPr lang="en-US" smtClean="0"/>
           </a:p>
           <a:p>
             <a:pPr lvl="1"/>
@@ -556,6 +545,7 @@
               <a:rPr lang="en-US" smtClean="0"/>
               <a:t>Second level</a:t>
             </a:r>
+            <a:endParaRPr lang="en-US" smtClean="0"/>
           </a:p>
           <a:p>
             <a:pPr lvl="2"/>
@@ -563,6 +553,7 @@
               <a:rPr lang="en-US" smtClean="0"/>
               <a:t>Third level</a:t>
             </a:r>
+            <a:endParaRPr lang="en-US" smtClean="0"/>
           </a:p>
           <a:p>
             <a:pPr lvl="3"/>
@@ -570,6 +561,7 @@
               <a:rPr lang="en-US" smtClean="0"/>
               <a:t>Fourth level</a:t>
             </a:r>
+            <a:endParaRPr lang="en-US" smtClean="0"/>
           </a:p>
           <a:p>
             <a:pPr lvl="4"/>
@@ -598,7 +590,6 @@
           <a:p>
             <a:fld id="{58E94E62-99CB-4F72-905F-DA5D345A9F93}" type="datetimeFigureOut">
               <a:rPr lang="en-US" smtClean="0"/>
-              <a:t>4/29/2021</a:t>
             </a:fld>
             <a:endParaRPr lang="en-US"/>
           </a:p>
@@ -640,18 +631,12 @@
           <a:p>
             <a:fld id="{558BDF1D-0C20-408E-91F9-16CB0EA5F754}" type="slidenum">
               <a:rPr lang="en-US" smtClean="0"/>
-              <a:t>‹#›</a:t>
             </a:fld>
             <a:endParaRPr lang="en-US"/>
           </a:p>
         </p:txBody>
       </p:sp>
     </p:spTree>
-    <p:extLst>
-      <p:ext uri="{BB962C8B-B14F-4D97-AF65-F5344CB8AC3E}">
-        <p14:creationId xmlns:p14="http://schemas.microsoft.com/office/powerpoint/2010/main" val="238797494"/>
-      </p:ext>
-    </p:extLst>
   </p:cSld>
   <p:clrMapOvr>
     <a:masterClrMapping/>
@@ -719,6 +704,7 @@
               <a:rPr lang="en-US" smtClean="0"/>
               <a:t>Edit Master text styles</a:t>
             </a:r>
+            <a:endParaRPr lang="en-US" smtClean="0"/>
           </a:p>
           <a:p>
             <a:pPr lvl="1"/>
@@ -726,6 +712,7 @@
               <a:rPr lang="en-US" smtClean="0"/>
               <a:t>Second level</a:t>
             </a:r>
+            <a:endParaRPr lang="en-US" smtClean="0"/>
           </a:p>
           <a:p>
             <a:pPr lvl="2"/>
@@ -733,6 +720,7 @@
               <a:rPr lang="en-US" smtClean="0"/>
               <a:t>Third level</a:t>
             </a:r>
+            <a:endParaRPr lang="en-US" smtClean="0"/>
           </a:p>
           <a:p>
             <a:pPr lvl="3"/>
@@ -740,6 +728,7 @@
               <a:rPr lang="en-US" smtClean="0"/>
               <a:t>Fourth level</a:t>
             </a:r>
+            <a:endParaRPr lang="en-US" smtClean="0"/>
           </a:p>
           <a:p>
             <a:pPr lvl="4"/>
@@ -768,7 +757,6 @@
           <a:p>
             <a:fld id="{58E94E62-99CB-4F72-905F-DA5D345A9F93}" type="datetimeFigureOut">
               <a:rPr lang="en-US" smtClean="0"/>
-              <a:t>4/29/2021</a:t>
             </a:fld>
             <a:endParaRPr lang="en-US"/>
           </a:p>
@@ -810,18 +798,12 @@
           <a:p>
             <a:fld id="{558BDF1D-0C20-408E-91F9-16CB0EA5F754}" type="slidenum">
               <a:rPr lang="en-US" smtClean="0"/>
-              <a:t>‹#›</a:t>
             </a:fld>
             <a:endParaRPr lang="en-US"/>
           </a:p>
         </p:txBody>
       </p:sp>
     </p:spTree>
-    <p:extLst>
-      <p:ext uri="{BB962C8B-B14F-4D97-AF65-F5344CB8AC3E}">
-        <p14:creationId xmlns:p14="http://schemas.microsoft.com/office/powerpoint/2010/main" val="3301713150"/>
-      </p:ext>
-    </p:extLst>
   </p:cSld>
   <p:clrMapOvr>
     <a:masterClrMapping/>
@@ -994,6 +976,7 @@
               <a:rPr lang="en-US" smtClean="0"/>
               <a:t>Edit Master text styles</a:t>
             </a:r>
+            <a:endParaRPr lang="en-US" smtClean="0"/>
           </a:p>
         </p:txBody>
       </p:sp>
@@ -1014,7 +997,6 @@
           <a:p>
             <a:fld id="{58E94E62-99CB-4F72-905F-DA5D345A9F93}" type="datetimeFigureOut">
               <a:rPr lang="en-US" smtClean="0"/>
-              <a:t>4/29/2021</a:t>
             </a:fld>
             <a:endParaRPr lang="en-US"/>
           </a:p>
@@ -1056,18 +1038,12 @@
           <a:p>
             <a:fld id="{558BDF1D-0C20-408E-91F9-16CB0EA5F754}" type="slidenum">
               <a:rPr lang="en-US" smtClean="0"/>
-              <a:t>‹#›</a:t>
             </a:fld>
             <a:endParaRPr lang="en-US"/>
           </a:p>
         </p:txBody>
       </p:sp>
     </p:spTree>
-    <p:extLst>
-      <p:ext uri="{BB962C8B-B14F-4D97-AF65-F5344CB8AC3E}">
-        <p14:creationId xmlns:p14="http://schemas.microsoft.com/office/powerpoint/2010/main" val="2175503267"/>
-      </p:ext>
-    </p:extLst>
   </p:cSld>
   <p:clrMapOvr>
     <a:masterClrMapping/>
@@ -1140,6 +1116,7 @@
               <a:rPr lang="en-US" smtClean="0"/>
               <a:t>Edit Master text styles</a:t>
             </a:r>
+            <a:endParaRPr lang="en-US" smtClean="0"/>
           </a:p>
           <a:p>
             <a:pPr lvl="1"/>
@@ -1147,6 +1124,7 @@
               <a:rPr lang="en-US" smtClean="0"/>
               <a:t>Second level</a:t>
             </a:r>
+            <a:endParaRPr lang="en-US" smtClean="0"/>
           </a:p>
           <a:p>
             <a:pPr lvl="2"/>
@@ -1154,6 +1132,7 @@
               <a:rPr lang="en-US" smtClean="0"/>
               <a:t>Third level</a:t>
             </a:r>
+            <a:endParaRPr lang="en-US" smtClean="0"/>
           </a:p>
           <a:p>
             <a:pPr lvl="3"/>
@@ -1161,6 +1140,7 @@
               <a:rPr lang="en-US" smtClean="0"/>
               <a:t>Fourth level</a:t>
             </a:r>
+            <a:endParaRPr lang="en-US" smtClean="0"/>
           </a:p>
           <a:p>
             <a:pPr lvl="4"/>
@@ -1197,6 +1177,7 @@
               <a:rPr lang="en-US" smtClean="0"/>
               <a:t>Edit Master text styles</a:t>
             </a:r>
+            <a:endParaRPr lang="en-US" smtClean="0"/>
           </a:p>
           <a:p>
             <a:pPr lvl="1"/>
@@ -1204,6 +1185,7 @@
               <a:rPr lang="en-US" smtClean="0"/>
               <a:t>Second level</a:t>
             </a:r>
+            <a:endParaRPr lang="en-US" smtClean="0"/>
           </a:p>
           <a:p>
             <a:pPr lvl="2"/>
@@ -1211,6 +1193,7 @@
               <a:rPr lang="en-US" smtClean="0"/>
               <a:t>Third level</a:t>
             </a:r>
+            <a:endParaRPr lang="en-US" smtClean="0"/>
           </a:p>
           <a:p>
             <a:pPr lvl="3"/>
@@ -1218,6 +1201,7 @@
               <a:rPr lang="en-US" smtClean="0"/>
               <a:t>Fourth level</a:t>
             </a:r>
+            <a:endParaRPr lang="en-US" smtClean="0"/>
           </a:p>
           <a:p>
             <a:pPr lvl="4"/>
@@ -1246,7 +1230,6 @@
           <a:p>
             <a:fld id="{58E94E62-99CB-4F72-905F-DA5D345A9F93}" type="datetimeFigureOut">
               <a:rPr lang="en-US" smtClean="0"/>
-              <a:t>4/29/2021</a:t>
             </a:fld>
             <a:endParaRPr lang="en-US"/>
           </a:p>
@@ -1288,18 +1271,12 @@
           <a:p>
             <a:fld id="{558BDF1D-0C20-408E-91F9-16CB0EA5F754}" type="slidenum">
               <a:rPr lang="en-US" smtClean="0"/>
-              <a:t>‹#›</a:t>
             </a:fld>
             <a:endParaRPr lang="en-US"/>
           </a:p>
         </p:txBody>
       </p:sp>
     </p:spTree>
-    <p:extLst>
-      <p:ext uri="{BB962C8B-B14F-4D97-AF65-F5344CB8AC3E}">
-        <p14:creationId xmlns:p14="http://schemas.microsoft.com/office/powerpoint/2010/main" val="1345173683"/>
-      </p:ext>
-    </p:extLst>
   </p:cSld>
   <p:clrMapOvr>
     <a:masterClrMapping/>
@@ -1414,6 +1391,7 @@
               <a:rPr lang="en-US" smtClean="0"/>
               <a:t>Edit Master text styles</a:t>
             </a:r>
+            <a:endParaRPr lang="en-US" smtClean="0"/>
           </a:p>
         </p:txBody>
       </p:sp>
@@ -1442,6 +1420,7 @@
               <a:rPr lang="en-US" smtClean="0"/>
               <a:t>Edit Master text styles</a:t>
             </a:r>
+            <a:endParaRPr lang="en-US" smtClean="0"/>
           </a:p>
           <a:p>
             <a:pPr lvl="1"/>
@@ -1449,6 +1428,7 @@
               <a:rPr lang="en-US" smtClean="0"/>
               <a:t>Second level</a:t>
             </a:r>
+            <a:endParaRPr lang="en-US" smtClean="0"/>
           </a:p>
           <a:p>
             <a:pPr lvl="2"/>
@@ -1456,6 +1436,7 @@
               <a:rPr lang="en-US" smtClean="0"/>
               <a:t>Third level</a:t>
             </a:r>
+            <a:endParaRPr lang="en-US" smtClean="0"/>
           </a:p>
           <a:p>
             <a:pPr lvl="3"/>
@@ -1463,6 +1444,7 @@
               <a:rPr lang="en-US" smtClean="0"/>
               <a:t>Fourth level</a:t>
             </a:r>
+            <a:endParaRPr lang="en-US" smtClean="0"/>
           </a:p>
           <a:p>
             <a:pPr lvl="4"/>
@@ -1536,6 +1518,7 @@
               <a:rPr lang="en-US" smtClean="0"/>
               <a:t>Edit Master text styles</a:t>
             </a:r>
+            <a:endParaRPr lang="en-US" smtClean="0"/>
           </a:p>
         </p:txBody>
       </p:sp>
@@ -1564,6 +1547,7 @@
               <a:rPr lang="en-US" smtClean="0"/>
               <a:t>Edit Master text styles</a:t>
             </a:r>
+            <a:endParaRPr lang="en-US" smtClean="0"/>
           </a:p>
           <a:p>
             <a:pPr lvl="1"/>
@@ -1571,6 +1555,7 @@
               <a:rPr lang="en-US" smtClean="0"/>
               <a:t>Second level</a:t>
             </a:r>
+            <a:endParaRPr lang="en-US" smtClean="0"/>
           </a:p>
           <a:p>
             <a:pPr lvl="2"/>
@@ -1578,6 +1563,7 @@
               <a:rPr lang="en-US" smtClean="0"/>
               <a:t>Third level</a:t>
             </a:r>
+            <a:endParaRPr lang="en-US" smtClean="0"/>
           </a:p>
           <a:p>
             <a:pPr lvl="3"/>
@@ -1585,6 +1571,7 @@
               <a:rPr lang="en-US" smtClean="0"/>
               <a:t>Fourth level</a:t>
             </a:r>
+            <a:endParaRPr lang="en-US" smtClean="0"/>
           </a:p>
           <a:p>
             <a:pPr lvl="4"/>
@@ -1613,7 +1600,6 @@
           <a:p>
             <a:fld id="{58E94E62-99CB-4F72-905F-DA5D345A9F93}" type="datetimeFigureOut">
               <a:rPr lang="en-US" smtClean="0"/>
-              <a:t>4/29/2021</a:t>
             </a:fld>
             <a:endParaRPr lang="en-US"/>
           </a:p>
@@ -1655,18 +1641,12 @@
           <a:p>
             <a:fld id="{558BDF1D-0C20-408E-91F9-16CB0EA5F754}" type="slidenum">
               <a:rPr lang="en-US" smtClean="0"/>
-              <a:t>‹#›</a:t>
             </a:fld>
             <a:endParaRPr lang="en-US"/>
           </a:p>
         </p:txBody>
       </p:sp>
     </p:spTree>
-    <p:extLst>
-      <p:ext uri="{BB962C8B-B14F-4D97-AF65-F5344CB8AC3E}">
-        <p14:creationId xmlns:p14="http://schemas.microsoft.com/office/powerpoint/2010/main" val="661825458"/>
-      </p:ext>
-    </p:extLst>
   </p:cSld>
   <p:clrMapOvr>
     <a:masterClrMapping/>
@@ -1731,7 +1711,6 @@
           <a:p>
             <a:fld id="{58E94E62-99CB-4F72-905F-DA5D345A9F93}" type="datetimeFigureOut">
               <a:rPr lang="en-US" smtClean="0"/>
-              <a:t>4/29/2021</a:t>
             </a:fld>
             <a:endParaRPr lang="en-US"/>
           </a:p>
@@ -1773,18 +1752,12 @@
           <a:p>
             <a:fld id="{558BDF1D-0C20-408E-91F9-16CB0EA5F754}" type="slidenum">
               <a:rPr lang="en-US" smtClean="0"/>
-              <a:t>‹#›</a:t>
             </a:fld>
             <a:endParaRPr lang="en-US"/>
           </a:p>
         </p:txBody>
       </p:sp>
     </p:spTree>
-    <p:extLst>
-      <p:ext uri="{BB962C8B-B14F-4D97-AF65-F5344CB8AC3E}">
-        <p14:creationId xmlns:p14="http://schemas.microsoft.com/office/powerpoint/2010/main" val="3342627987"/>
-      </p:ext>
-    </p:extLst>
   </p:cSld>
   <p:clrMapOvr>
     <a:masterClrMapping/>
@@ -1826,7 +1799,6 @@
           <a:p>
             <a:fld id="{58E94E62-99CB-4F72-905F-DA5D345A9F93}" type="datetimeFigureOut">
               <a:rPr lang="en-US" smtClean="0"/>
-              <a:t>4/29/2021</a:t>
             </a:fld>
             <a:endParaRPr lang="en-US"/>
           </a:p>
@@ -1868,18 +1840,12 @@
           <a:p>
             <a:fld id="{558BDF1D-0C20-408E-91F9-16CB0EA5F754}" type="slidenum">
               <a:rPr lang="en-US" smtClean="0"/>
-              <a:t>‹#›</a:t>
             </a:fld>
             <a:endParaRPr lang="en-US"/>
           </a:p>
         </p:txBody>
       </p:sp>
     </p:spTree>
-    <p:extLst>
-      <p:ext uri="{BB962C8B-B14F-4D97-AF65-F5344CB8AC3E}">
-        <p14:creationId xmlns:p14="http://schemas.microsoft.com/office/powerpoint/2010/main" val="2746536192"/>
-      </p:ext>
-    </p:extLst>
   </p:cSld>
   <p:clrMapOvr>
     <a:masterClrMapping/>
@@ -1989,6 +1955,7 @@
               <a:rPr lang="en-US" smtClean="0"/>
               <a:t>Edit Master text styles</a:t>
             </a:r>
+            <a:endParaRPr lang="en-US" smtClean="0"/>
           </a:p>
           <a:p>
             <a:pPr lvl="1"/>
@@ -1996,6 +1963,7 @@
               <a:rPr lang="en-US" smtClean="0"/>
               <a:t>Second level</a:t>
             </a:r>
+            <a:endParaRPr lang="en-US" smtClean="0"/>
           </a:p>
           <a:p>
             <a:pPr lvl="2"/>
@@ -2003,6 +1971,7 @@
               <a:rPr lang="en-US" smtClean="0"/>
               <a:t>Third level</a:t>
             </a:r>
+            <a:endParaRPr lang="en-US" smtClean="0"/>
           </a:p>
           <a:p>
             <a:pPr lvl="3"/>
@@ -2010,6 +1979,7 @@
               <a:rPr lang="en-US" smtClean="0"/>
               <a:t>Fourth level</a:t>
             </a:r>
+            <a:endParaRPr lang="en-US" smtClean="0"/>
           </a:p>
           <a:p>
             <a:pPr lvl="4"/>
@@ -2083,6 +2053,7 @@
               <a:rPr lang="en-US" smtClean="0"/>
               <a:t>Edit Master text styles</a:t>
             </a:r>
+            <a:endParaRPr lang="en-US" smtClean="0"/>
           </a:p>
         </p:txBody>
       </p:sp>
@@ -2103,7 +2074,6 @@
           <a:p>
             <a:fld id="{58E94E62-99CB-4F72-905F-DA5D345A9F93}" type="datetimeFigureOut">
               <a:rPr lang="en-US" smtClean="0"/>
-              <a:t>4/29/2021</a:t>
             </a:fld>
             <a:endParaRPr lang="en-US"/>
           </a:p>
@@ -2145,18 +2115,12 @@
           <a:p>
             <a:fld id="{558BDF1D-0C20-408E-91F9-16CB0EA5F754}" type="slidenum">
               <a:rPr lang="en-US" smtClean="0"/>
-              <a:t>‹#›</a:t>
             </a:fld>
             <a:endParaRPr lang="en-US"/>
           </a:p>
         </p:txBody>
       </p:sp>
     </p:spTree>
-    <p:extLst>
-      <p:ext uri="{BB962C8B-B14F-4D97-AF65-F5344CB8AC3E}">
-        <p14:creationId xmlns:p14="http://schemas.microsoft.com/office/powerpoint/2010/main" val="1841141838"/>
-      </p:ext>
-    </p:extLst>
   </p:cSld>
   <p:clrMapOvr>
     <a:masterClrMapping/>
@@ -2336,6 +2300,7 @@
               <a:rPr lang="en-US" smtClean="0"/>
               <a:t>Edit Master text styles</a:t>
             </a:r>
+            <a:endParaRPr lang="en-US" smtClean="0"/>
           </a:p>
         </p:txBody>
       </p:sp>
@@ -2356,7 +2321,6 @@
           <a:p>
             <a:fld id="{58E94E62-99CB-4F72-905F-DA5D345A9F93}" type="datetimeFigureOut">
               <a:rPr lang="en-US" smtClean="0"/>
-              <a:t>4/29/2021</a:t>
             </a:fld>
             <a:endParaRPr lang="en-US"/>
           </a:p>
@@ -2398,18 +2362,12 @@
           <a:p>
             <a:fld id="{558BDF1D-0C20-408E-91F9-16CB0EA5F754}" type="slidenum">
               <a:rPr lang="en-US" smtClean="0"/>
-              <a:t>‹#›</a:t>
             </a:fld>
             <a:endParaRPr lang="en-US"/>
           </a:p>
         </p:txBody>
       </p:sp>
     </p:spTree>
-    <p:extLst>
-      <p:ext uri="{BB962C8B-B14F-4D97-AF65-F5344CB8AC3E}">
-        <p14:creationId xmlns:p14="http://schemas.microsoft.com/office/powerpoint/2010/main" val="1992813435"/>
-      </p:ext>
-    </p:extLst>
   </p:cSld>
   <p:clrMapOvr>
     <a:masterClrMapping/>
@@ -2502,6 +2460,7 @@
               <a:rPr lang="en-US" smtClean="0"/>
               <a:t>Edit Master text styles</a:t>
             </a:r>
+            <a:endParaRPr lang="en-US" smtClean="0"/>
           </a:p>
           <a:p>
             <a:pPr lvl="1"/>
@@ -2509,6 +2468,7 @@
               <a:rPr lang="en-US" smtClean="0"/>
               <a:t>Second level</a:t>
             </a:r>
+            <a:endParaRPr lang="en-US" smtClean="0"/>
           </a:p>
           <a:p>
             <a:pPr lvl="2"/>
@@ -2516,6 +2476,7 @@
               <a:rPr lang="en-US" smtClean="0"/>
               <a:t>Third level</a:t>
             </a:r>
+            <a:endParaRPr lang="en-US" smtClean="0"/>
           </a:p>
           <a:p>
             <a:pPr lvl="3"/>
@@ -2523,6 +2484,7 @@
               <a:rPr lang="en-US" smtClean="0"/>
               <a:t>Fourth level</a:t>
             </a:r>
+            <a:endParaRPr lang="en-US" smtClean="0"/>
           </a:p>
           <a:p>
             <a:pPr lvl="4"/>
@@ -2569,7 +2531,6 @@
           <a:p>
             <a:fld id="{58E94E62-99CB-4F72-905F-DA5D345A9F93}" type="datetimeFigureOut">
               <a:rPr lang="en-US" smtClean="0"/>
-              <a:t>4/29/2021</a:t>
             </a:fld>
             <a:endParaRPr lang="en-US"/>
           </a:p>
@@ -2647,18 +2608,12 @@
           <a:p>
             <a:fld id="{558BDF1D-0C20-408E-91F9-16CB0EA5F754}" type="slidenum">
               <a:rPr lang="en-US" smtClean="0"/>
-              <a:t>‹#›</a:t>
             </a:fld>
             <a:endParaRPr lang="en-US"/>
           </a:p>
         </p:txBody>
       </p:sp>
     </p:spTree>
-    <p:extLst>
-      <p:ext uri="{BB962C8B-B14F-4D97-AF65-F5344CB8AC3E}">
-        <p14:creationId xmlns:p14="http://schemas.microsoft.com/office/powerpoint/2010/main" val="3549458685"/>
-      </p:ext>
-    </p:extLst>
   </p:cSld>
   <p:clrMap bg1="lt1" tx1="dk1" bg2="lt2" tx2="dk2" accent1="accent1" accent2="accent2" accent3="accent3" accent4="accent4" accent5="accent5" accent6="accent6" hlink="hlink" folHlink="folHlink"/>
   <p:sldLayoutIdLst>
@@ -3031,6 +2986,7 @@
               <a:rPr lang="en-GB" dirty="0" smtClean="0"/>
               <a:t>SST/ Computer Science</a:t>
             </a:r>
+            <a:endParaRPr lang="en-GB" dirty="0" smtClean="0"/>
           </a:p>
           <a:p>
             <a:r>
@@ -3042,155 +2998,6 @@
         </p:txBody>
       </p:sp>
     </p:spTree>
-    <p:extLst>
-      <p:ext uri="{BB962C8B-B14F-4D97-AF65-F5344CB8AC3E}">
-        <p14:creationId xmlns:p14="http://schemas.microsoft.com/office/powerpoint/2010/main" val="4173094576"/>
-      </p:ext>
-    </p:extLst>
-  </p:cSld>
-  <p:clrMapOvr>
-    <a:masterClrMapping/>
-  </p:clrMapOvr>
-</p:sld>
-</file>
-
-<file path=ppt/slides/slide10.xml><?xml version="1.0" encoding="utf-8"?>
-<p:sld xmlns:a="http://schemas.openxmlformats.org/drawingml/2006/main" xmlns:r="http://schemas.openxmlformats.org/officeDocument/2006/relationships" xmlns:p="http://schemas.openxmlformats.org/presentationml/2006/main">
-  <p:cSld>
-    <p:spTree>
-      <p:nvGrpSpPr>
-        <p:cNvPr id="1" name=""/>
-        <p:cNvGrpSpPr/>
-        <p:nvPr/>
-      </p:nvGrpSpPr>
-      <p:grpSpPr>
-        <a:xfrm>
-          <a:off x="0" y="0"/>
-          <a:ext cx="0" cy="0"/>
-          <a:chOff x="0" y="0"/>
-          <a:chExt cx="0" cy="0"/>
-        </a:xfrm>
-      </p:grpSpPr>
-      <p:sp>
-        <p:nvSpPr>
-          <p:cNvPr id="2" name="Title 1"/>
-          <p:cNvSpPr>
-            <a:spLocks noGrp="1"/>
-          </p:cNvSpPr>
-          <p:nvPr>
-            <p:ph type="title"/>
-          </p:nvPr>
-        </p:nvSpPr>
-        <p:spPr/>
-        <p:txBody>
-          <a:bodyPr/>
-          <a:lstStyle/>
-          <a:p>
-            <a:r>
-              <a:rPr lang="en-GB" dirty="0" smtClean="0"/>
-              <a:t>pseudo</a:t>
-            </a:r>
-            <a:endParaRPr lang="en-US" dirty="0"/>
-          </a:p>
-        </p:txBody>
-      </p:sp>
-      <p:sp>
-        <p:nvSpPr>
-          <p:cNvPr id="3" name="Content Placeholder 2"/>
-          <p:cNvSpPr>
-            <a:spLocks noGrp="1"/>
-          </p:cNvSpPr>
-          <p:nvPr>
-            <p:ph idx="1"/>
-          </p:nvPr>
-        </p:nvSpPr>
-        <p:spPr/>
-        <p:txBody>
-          <a:bodyPr/>
-          <a:lstStyle/>
-          <a:p>
-            <a:endParaRPr lang="en-US"/>
-          </a:p>
-        </p:txBody>
-      </p:sp>
-    </p:spTree>
-    <p:extLst>
-      <p:ext uri="{BB962C8B-B14F-4D97-AF65-F5344CB8AC3E}">
-        <p14:creationId xmlns:p14="http://schemas.microsoft.com/office/powerpoint/2010/main" val="276103739"/>
-      </p:ext>
-    </p:extLst>
-  </p:cSld>
-  <p:clrMapOvr>
-    <a:masterClrMapping/>
-  </p:clrMapOvr>
-</p:sld>
-</file>
-
-<file path=ppt/slides/slide11.xml><?xml version="1.0" encoding="utf-8"?>
-<p:sld xmlns:a="http://schemas.openxmlformats.org/drawingml/2006/main" xmlns:r="http://schemas.openxmlformats.org/officeDocument/2006/relationships" xmlns:p="http://schemas.openxmlformats.org/presentationml/2006/main">
-  <p:cSld>
-    <p:spTree>
-      <p:nvGrpSpPr>
-        <p:cNvPr id="1" name=""/>
-        <p:cNvGrpSpPr/>
-        <p:nvPr/>
-      </p:nvGrpSpPr>
-      <p:grpSpPr>
-        <a:xfrm>
-          <a:off x="0" y="0"/>
-          <a:ext cx="0" cy="0"/>
-          <a:chOff x="0" y="0"/>
-          <a:chExt cx="0" cy="0"/>
-        </a:xfrm>
-      </p:grpSpPr>
-      <p:sp>
-        <p:nvSpPr>
-          <p:cNvPr id="2" name="Title 1"/>
-          <p:cNvSpPr>
-            <a:spLocks noGrp="1"/>
-          </p:cNvSpPr>
-          <p:nvPr>
-            <p:ph type="title"/>
-          </p:nvPr>
-        </p:nvSpPr>
-        <p:spPr/>
-        <p:txBody>
-          <a:bodyPr/>
-          <a:lstStyle/>
-          <a:p>
-            <a:r>
-              <a:rPr lang="en-GB" dirty="0" smtClean="0"/>
-              <a:t>flow</a:t>
-            </a:r>
-            <a:endParaRPr lang="en-US" dirty="0"/>
-          </a:p>
-        </p:txBody>
-      </p:sp>
-      <p:sp>
-        <p:nvSpPr>
-          <p:cNvPr id="3" name="Content Placeholder 2"/>
-          <p:cNvSpPr>
-            <a:spLocks noGrp="1"/>
-          </p:cNvSpPr>
-          <p:nvPr>
-            <p:ph idx="1"/>
-          </p:nvPr>
-        </p:nvSpPr>
-        <p:spPr/>
-        <p:txBody>
-          <a:bodyPr/>
-          <a:lstStyle/>
-          <a:p>
-            <a:endParaRPr lang="en-US"/>
-          </a:p>
-        </p:txBody>
-      </p:sp>
-    </p:spTree>
-    <p:extLst>
-      <p:ext uri="{BB962C8B-B14F-4D97-AF65-F5344CB8AC3E}">
-        <p14:creationId xmlns:p14="http://schemas.microsoft.com/office/powerpoint/2010/main" val="4015085309"/>
-      </p:ext>
-    </p:extLst>
   </p:cSld>
   <p:clrMapOvr>
     <a:masterClrMapping/>
@@ -3269,54 +3076,63 @@
               <a:rPr lang="en-GB" dirty="0" smtClean="0"/>
               <a:t>Pseudocode:</a:t>
             </a:r>
+            <a:endParaRPr lang="en-GB" dirty="0" smtClean="0"/>
           </a:p>
           <a:p>
             <a:r>
               <a:rPr lang="en-GB" dirty="0" smtClean="0"/>
               <a:t>Input a</a:t>
             </a:r>
+            <a:endParaRPr lang="en-GB" dirty="0" smtClean="0"/>
           </a:p>
           <a:p>
             <a:r>
               <a:rPr lang="en-GB" dirty="0" smtClean="0"/>
               <a:t>Input b</a:t>
             </a:r>
+            <a:endParaRPr lang="en-GB" dirty="0" smtClean="0"/>
           </a:p>
           <a:p>
             <a:r>
               <a:rPr lang="en-GB" dirty="0" smtClean="0"/>
               <a:t>If a / 2 gives a remainder of 0 </a:t>
             </a:r>
+            <a:endParaRPr lang="en-GB" dirty="0" smtClean="0"/>
           </a:p>
           <a:p>
             <a:r>
               <a:rPr lang="en-GB" dirty="0" smtClean="0"/>
               <a:t>Print Even</a:t>
             </a:r>
+            <a:endParaRPr lang="en-GB" dirty="0" smtClean="0"/>
           </a:p>
           <a:p>
             <a:r>
               <a:rPr lang="en-GB" dirty="0" smtClean="0"/>
               <a:t>Else Print Odd</a:t>
             </a:r>
+            <a:endParaRPr lang="en-GB" dirty="0" smtClean="0"/>
           </a:p>
           <a:p>
             <a:r>
               <a:rPr lang="en-GB" dirty="0" smtClean="0"/>
               <a:t>If b/ 2 gives a remainder of 0 </a:t>
             </a:r>
+            <a:endParaRPr lang="en-GB" dirty="0" smtClean="0"/>
           </a:p>
           <a:p>
             <a:r>
               <a:rPr lang="en-GB" dirty="0" smtClean="0"/>
               <a:t>Print Even</a:t>
             </a:r>
+            <a:endParaRPr lang="en-GB" dirty="0" smtClean="0"/>
           </a:p>
           <a:p>
             <a:r>
               <a:rPr lang="en-GB" dirty="0" smtClean="0"/>
               <a:t>Else Print Odd</a:t>
             </a:r>
+            <a:endParaRPr lang="en-GB" dirty="0" smtClean="0"/>
           </a:p>
           <a:p>
             <a:endParaRPr lang="en-US" dirty="0"/>
@@ -3324,11 +3140,6 @@
         </p:txBody>
       </p:sp>
     </p:spTree>
-    <p:extLst>
-      <p:ext uri="{BB962C8B-B14F-4D97-AF65-F5344CB8AC3E}">
-        <p14:creationId xmlns:p14="http://schemas.microsoft.com/office/powerpoint/2010/main" val="3754539488"/>
-      </p:ext>
-    </p:extLst>
   </p:cSld>
   <p:clrMapOvr>
     <a:masterClrMapping/>
@@ -3353,6 +3164,39 @@
           <a:chExt cx="0" cy="0"/>
         </a:xfrm>
       </p:grpSpPr>
+      <p:cxnSp>
+        <p:nvCxnSpPr>
+          <p:cNvPr id="8" name="Straight Arrow Connector 7"/>
+          <p:cNvCxnSpPr/>
+          <p:nvPr/>
+        </p:nvCxnSpPr>
+        <p:spPr>
+          <a:xfrm flipH="1">
+            <a:off x="6397625" y="1399540"/>
+            <a:ext cx="15240" cy="419100"/>
+          </a:xfrm>
+          <a:prstGeom prst="straightConnector1">
+            <a:avLst/>
+          </a:prstGeom>
+          <a:ln>
+            <a:tailEnd type="arrow" w="med" len="med"/>
+          </a:ln>
+        </p:spPr>
+        <p:style>
+          <a:lnRef idx="1">
+            <a:schemeClr val="dk1"/>
+          </a:lnRef>
+          <a:fillRef idx="0">
+            <a:schemeClr val="dk1"/>
+          </a:fillRef>
+          <a:effectRef idx="0">
+            <a:schemeClr val="dk1"/>
+          </a:effectRef>
+          <a:fontRef idx="minor">
+            <a:schemeClr val="tx1"/>
+          </a:fontRef>
+        </p:style>
+      </p:cxnSp>
       <p:sp>
         <p:nvSpPr>
           <p:cNvPr id="2" name="Title 1"/>
@@ -3365,8 +3209,8 @@
         </p:nvSpPr>
         <p:spPr>
           <a:xfrm>
-            <a:off x="838200" y="393700"/>
-            <a:ext cx="5905500" cy="968375"/>
+            <a:off x="0" y="0"/>
+            <a:ext cx="3542665" cy="968375"/>
           </a:xfrm>
         </p:spPr>
         <p:txBody>
@@ -3374,8 +3218,12 @@
           <a:lstStyle/>
           <a:p>
             <a:r>
+              <a:rPr lang="en-GB" sz="2800" dirty="0" smtClean="0"/>
+              <a:t>Flowchart of Exercise 1</a:t>
+            </a:r>
+            <a:r>
               <a:rPr lang="en-GB" dirty="0" smtClean="0"/>
-              <a:t>Flowchart of ex 1 </a:t>
+              <a:t> </a:t>
             </a:r>
             <a:endParaRPr lang="en-US" dirty="0"/>
           </a:p>
@@ -3383,29 +3231,963 @@
       </p:sp>
       <p:sp>
         <p:nvSpPr>
-          <p:cNvPr id="3" name="Content Placeholder 2"/>
-          <p:cNvSpPr>
-            <a:spLocks noGrp="1"/>
-          </p:cNvSpPr>
-          <p:nvPr>
-            <p:ph idx="1"/>
-          </p:nvPr>
-        </p:nvSpPr>
-        <p:spPr/>
-        <p:txBody>
-          <a:bodyPr/>
-          <a:lstStyle/>
-          <a:p>
-            <a:endParaRPr lang="en-US"/>
+          <p:cNvPr id="5" name="Flowchart: Terminator 4"/>
+          <p:cNvSpPr/>
+          <p:nvPr/>
+        </p:nvSpPr>
+        <p:spPr>
+          <a:xfrm>
+            <a:off x="5328920" y="0"/>
+            <a:ext cx="2205355" cy="687070"/>
+          </a:xfrm>
+          <a:prstGeom prst="flowChartTerminator">
+            <a:avLst/>
+          </a:prstGeom>
+          <a:solidFill>
+            <a:srgbClr val="00B050"/>
+          </a:solidFill>
+        </p:spPr>
+        <p:style>
+          <a:lnRef idx="2">
+            <a:schemeClr val="accent1">
+              <a:shade val="50000"/>
+            </a:schemeClr>
+          </a:lnRef>
+          <a:fillRef idx="1">
+            <a:schemeClr val="accent1"/>
+          </a:fillRef>
+          <a:effectRef idx="0">
+            <a:schemeClr val="accent1"/>
+          </a:effectRef>
+          <a:fontRef idx="minor">
+            <a:schemeClr val="lt1"/>
+          </a:fontRef>
+        </p:style>
+        <p:txBody>
+          <a:bodyPr rtlCol="0" anchor="ctr"/>
+          <a:p>
+            <a:pPr algn="ctr"/>
+            <a:endParaRPr lang="en-US"/>
+          </a:p>
+        </p:txBody>
+      </p:sp>
+      <p:cxnSp>
+        <p:nvCxnSpPr>
+          <p:cNvPr id="6" name="Straight Arrow Connector 5"/>
+          <p:cNvCxnSpPr/>
+          <p:nvPr/>
+        </p:nvCxnSpPr>
+        <p:spPr>
+          <a:xfrm flipH="1">
+            <a:off x="6412230" y="687070"/>
+            <a:ext cx="12700" cy="241300"/>
+          </a:xfrm>
+          <a:prstGeom prst="straightConnector1">
+            <a:avLst/>
+          </a:prstGeom>
+          <a:ln>
+            <a:tailEnd type="arrow" w="med" len="med"/>
+          </a:ln>
+        </p:spPr>
+        <p:style>
+          <a:lnRef idx="1">
+            <a:schemeClr val="dk1"/>
+          </a:lnRef>
+          <a:fillRef idx="0">
+            <a:schemeClr val="dk1"/>
+          </a:fillRef>
+          <a:effectRef idx="0">
+            <a:schemeClr val="dk1"/>
+          </a:effectRef>
+          <a:fontRef idx="minor">
+            <a:schemeClr val="tx1"/>
+          </a:fontRef>
+        </p:style>
+      </p:cxnSp>
+      <p:sp>
+        <p:nvSpPr>
+          <p:cNvPr id="7" name="Flowchart: Data 6"/>
+          <p:cNvSpPr/>
+          <p:nvPr/>
+        </p:nvSpPr>
+        <p:spPr>
+          <a:xfrm>
+            <a:off x="4779645" y="928370"/>
+            <a:ext cx="3277235" cy="672465"/>
+          </a:xfrm>
+          <a:prstGeom prst="flowChartInputOutput">
+            <a:avLst/>
+          </a:prstGeom>
+        </p:spPr>
+        <p:style>
+          <a:lnRef idx="2">
+            <a:schemeClr val="accent1">
+              <a:shade val="50000"/>
+            </a:schemeClr>
+          </a:lnRef>
+          <a:fillRef idx="1">
+            <a:schemeClr val="accent1"/>
+          </a:fillRef>
+          <a:effectRef idx="0">
+            <a:schemeClr val="accent1"/>
+          </a:effectRef>
+          <a:fontRef idx="minor">
+            <a:schemeClr val="lt1"/>
+          </a:fontRef>
+        </p:style>
+        <p:txBody>
+          <a:bodyPr rtlCol="0" anchor="ctr"/>
+          <a:p>
+            <a:pPr algn="ctr"/>
+            <a:endParaRPr lang="en-US"/>
+          </a:p>
+        </p:txBody>
+      </p:sp>
+      <p:sp>
+        <p:nvSpPr>
+          <p:cNvPr id="9" name="Flowchart: Decision 8"/>
+          <p:cNvSpPr/>
+          <p:nvPr/>
+        </p:nvSpPr>
+        <p:spPr>
+          <a:xfrm>
+            <a:off x="5017135" y="1818640"/>
+            <a:ext cx="2776855" cy="1297940"/>
+          </a:xfrm>
+          <a:prstGeom prst="flowChartDecision">
+            <a:avLst/>
+          </a:prstGeom>
+          <a:gradFill>
+            <a:gsLst>
+              <a:gs pos="0">
+                <a:srgbClr val="E30000"/>
+              </a:gs>
+              <a:gs pos="100000">
+                <a:srgbClr val="760303"/>
+              </a:gs>
+            </a:gsLst>
+            <a:lin scaled="0"/>
+          </a:gradFill>
+        </p:spPr>
+        <p:style>
+          <a:lnRef idx="2">
+            <a:schemeClr val="accent1">
+              <a:shade val="50000"/>
+            </a:schemeClr>
+          </a:lnRef>
+          <a:fillRef idx="1">
+            <a:schemeClr val="accent1"/>
+          </a:fillRef>
+          <a:effectRef idx="0">
+            <a:schemeClr val="accent1"/>
+          </a:effectRef>
+          <a:fontRef idx="minor">
+            <a:schemeClr val="lt1"/>
+          </a:fontRef>
+        </p:style>
+        <p:txBody>
+          <a:bodyPr rtlCol="0" anchor="ctr"/>
+          <a:p>
+            <a:pPr algn="ctr"/>
+            <a:endParaRPr lang="en-US"/>
+          </a:p>
+        </p:txBody>
+      </p:sp>
+      <p:cxnSp>
+        <p:nvCxnSpPr>
+          <p:cNvPr id="10" name="Straight Arrow Connector 9"/>
+          <p:cNvCxnSpPr/>
+          <p:nvPr/>
+        </p:nvCxnSpPr>
+        <p:spPr>
+          <a:xfrm flipH="1">
+            <a:off x="6412230" y="3116580"/>
+            <a:ext cx="1905" cy="226060"/>
+          </a:xfrm>
+          <a:prstGeom prst="straightConnector1">
+            <a:avLst/>
+          </a:prstGeom>
+          <a:ln>
+            <a:tailEnd type="arrow" w="med" len="med"/>
+          </a:ln>
+        </p:spPr>
+        <p:style>
+          <a:lnRef idx="1">
+            <a:schemeClr val="dk1"/>
+          </a:lnRef>
+          <a:fillRef idx="0">
+            <a:schemeClr val="dk1"/>
+          </a:fillRef>
+          <a:effectRef idx="0">
+            <a:schemeClr val="dk1"/>
+          </a:effectRef>
+          <a:fontRef idx="minor">
+            <a:schemeClr val="tx1"/>
+          </a:fontRef>
+        </p:style>
+      </p:cxnSp>
+      <p:cxnSp>
+        <p:nvCxnSpPr>
+          <p:cNvPr id="11" name="Straight Arrow Connector 10"/>
+          <p:cNvCxnSpPr/>
+          <p:nvPr/>
+        </p:nvCxnSpPr>
+        <p:spPr>
+          <a:xfrm flipH="1">
+            <a:off x="4207510" y="2464435"/>
+            <a:ext cx="802005" cy="5715"/>
+          </a:xfrm>
+          <a:prstGeom prst="straightConnector1">
+            <a:avLst/>
+          </a:prstGeom>
+          <a:ln>
+            <a:tailEnd type="arrow" w="med" len="med"/>
+          </a:ln>
+        </p:spPr>
+        <p:style>
+          <a:lnRef idx="1">
+            <a:schemeClr val="dk1"/>
+          </a:lnRef>
+          <a:fillRef idx="0">
+            <a:schemeClr val="dk1"/>
+          </a:fillRef>
+          <a:effectRef idx="0">
+            <a:schemeClr val="dk1"/>
+          </a:effectRef>
+          <a:fontRef idx="minor">
+            <a:schemeClr val="tx1"/>
+          </a:fontRef>
+        </p:style>
+      </p:cxnSp>
+      <p:sp>
+        <p:nvSpPr>
+          <p:cNvPr id="14" name="Flowchart: Data 13"/>
+          <p:cNvSpPr/>
+          <p:nvPr/>
+        </p:nvSpPr>
+        <p:spPr>
+          <a:xfrm>
+            <a:off x="5010150" y="3342640"/>
+            <a:ext cx="2776220" cy="480695"/>
+          </a:xfrm>
+          <a:prstGeom prst="flowChartInputOutput">
+            <a:avLst/>
+          </a:prstGeom>
+        </p:spPr>
+        <p:style>
+          <a:lnRef idx="2">
+            <a:schemeClr val="accent1">
+              <a:shade val="50000"/>
+            </a:schemeClr>
+          </a:lnRef>
+          <a:fillRef idx="1">
+            <a:schemeClr val="accent1"/>
+          </a:fillRef>
+          <a:effectRef idx="0">
+            <a:schemeClr val="accent1"/>
+          </a:effectRef>
+          <a:fontRef idx="minor">
+            <a:schemeClr val="lt1"/>
+          </a:fontRef>
+        </p:style>
+        <p:txBody>
+          <a:bodyPr rtlCol="0" anchor="ctr"/>
+          <a:p>
+            <a:pPr algn="ctr"/>
+            <a:endParaRPr lang="en-US"/>
+          </a:p>
+        </p:txBody>
+      </p:sp>
+      <p:cxnSp>
+        <p:nvCxnSpPr>
+          <p:cNvPr id="15" name="Straight Arrow Connector 14"/>
+          <p:cNvCxnSpPr/>
+          <p:nvPr/>
+        </p:nvCxnSpPr>
+        <p:spPr>
+          <a:xfrm flipH="1">
+            <a:off x="6408420" y="3823335"/>
+            <a:ext cx="3810" cy="247650"/>
+          </a:xfrm>
+          <a:prstGeom prst="straightConnector1">
+            <a:avLst/>
+          </a:prstGeom>
+          <a:ln>
+            <a:tailEnd type="arrow" w="med" len="med"/>
+          </a:ln>
+        </p:spPr>
+        <p:style>
+          <a:lnRef idx="1">
+            <a:schemeClr val="dk1"/>
+          </a:lnRef>
+          <a:fillRef idx="0">
+            <a:schemeClr val="dk1"/>
+          </a:fillRef>
+          <a:effectRef idx="0">
+            <a:schemeClr val="dk1"/>
+          </a:effectRef>
+          <a:fontRef idx="minor">
+            <a:schemeClr val="tx1"/>
+          </a:fontRef>
+        </p:style>
+      </p:cxnSp>
+      <p:sp>
+        <p:nvSpPr>
+          <p:cNvPr id="16" name="Flowchart: Decision 15"/>
+          <p:cNvSpPr/>
+          <p:nvPr/>
+        </p:nvSpPr>
+        <p:spPr>
+          <a:xfrm>
+            <a:off x="5043170" y="4070985"/>
+            <a:ext cx="2776855" cy="1297940"/>
+          </a:xfrm>
+          <a:prstGeom prst="flowChartDecision">
+            <a:avLst/>
+          </a:prstGeom>
+          <a:gradFill>
+            <a:gsLst>
+              <a:gs pos="0">
+                <a:srgbClr val="E30000"/>
+              </a:gs>
+              <a:gs pos="100000">
+                <a:srgbClr val="760303"/>
+              </a:gs>
+            </a:gsLst>
+            <a:lin scaled="0"/>
+          </a:gradFill>
+        </p:spPr>
+        <p:style>
+          <a:lnRef idx="2">
+            <a:schemeClr val="accent1">
+              <a:shade val="50000"/>
+            </a:schemeClr>
+          </a:lnRef>
+          <a:fillRef idx="1">
+            <a:schemeClr val="accent1"/>
+          </a:fillRef>
+          <a:effectRef idx="0">
+            <a:schemeClr val="accent1"/>
+          </a:effectRef>
+          <a:fontRef idx="minor">
+            <a:schemeClr val="lt1"/>
+          </a:fontRef>
+        </p:style>
+        <p:txBody>
+          <a:bodyPr rtlCol="0" anchor="ctr"/>
+          <a:p>
+            <a:pPr algn="ctr"/>
+            <a:endParaRPr lang="en-US"/>
+          </a:p>
+        </p:txBody>
+      </p:sp>
+      <p:sp>
+        <p:nvSpPr>
+          <p:cNvPr id="17" name="Flowchart: Data 16"/>
+          <p:cNvSpPr/>
+          <p:nvPr/>
+        </p:nvSpPr>
+        <p:spPr>
+          <a:xfrm>
+            <a:off x="1682115" y="2226945"/>
+            <a:ext cx="2776220" cy="480695"/>
+          </a:xfrm>
+          <a:prstGeom prst="flowChartInputOutput">
+            <a:avLst/>
+          </a:prstGeom>
+        </p:spPr>
+        <p:style>
+          <a:lnRef idx="2">
+            <a:schemeClr val="accent1">
+              <a:shade val="50000"/>
+            </a:schemeClr>
+          </a:lnRef>
+          <a:fillRef idx="1">
+            <a:schemeClr val="accent1"/>
+          </a:fillRef>
+          <a:effectRef idx="0">
+            <a:schemeClr val="accent1"/>
+          </a:effectRef>
+          <a:fontRef idx="minor">
+            <a:schemeClr val="lt1"/>
+          </a:fontRef>
+        </p:style>
+        <p:txBody>
+          <a:bodyPr rtlCol="0" anchor="ctr"/>
+          <a:p>
+            <a:pPr algn="ctr"/>
+            <a:endParaRPr lang="en-US"/>
+          </a:p>
+        </p:txBody>
+      </p:sp>
+      <p:sp>
+        <p:nvSpPr>
+          <p:cNvPr id="18" name="Flowchart: Data 17"/>
+          <p:cNvSpPr/>
+          <p:nvPr/>
+        </p:nvSpPr>
+        <p:spPr>
+          <a:xfrm>
+            <a:off x="1682115" y="4479290"/>
+            <a:ext cx="2776220" cy="480695"/>
+          </a:xfrm>
+          <a:prstGeom prst="flowChartInputOutput">
+            <a:avLst/>
+          </a:prstGeom>
+        </p:spPr>
+        <p:style>
+          <a:lnRef idx="2">
+            <a:schemeClr val="accent1">
+              <a:shade val="50000"/>
+            </a:schemeClr>
+          </a:lnRef>
+          <a:fillRef idx="1">
+            <a:schemeClr val="accent1"/>
+          </a:fillRef>
+          <a:effectRef idx="0">
+            <a:schemeClr val="accent1"/>
+          </a:effectRef>
+          <a:fontRef idx="minor">
+            <a:schemeClr val="lt1"/>
+          </a:fontRef>
+        </p:style>
+        <p:txBody>
+          <a:bodyPr rtlCol="0" anchor="ctr"/>
+          <a:p>
+            <a:pPr algn="ctr"/>
+            <a:endParaRPr lang="en-US"/>
+          </a:p>
+        </p:txBody>
+      </p:sp>
+      <p:cxnSp>
+        <p:nvCxnSpPr>
+          <p:cNvPr id="19" name="Straight Arrow Connector 18"/>
+          <p:cNvCxnSpPr/>
+          <p:nvPr/>
+        </p:nvCxnSpPr>
+        <p:spPr>
+          <a:xfrm flipH="1">
+            <a:off x="4241165" y="4717415"/>
+            <a:ext cx="802005" cy="5715"/>
+          </a:xfrm>
+          <a:prstGeom prst="straightConnector1">
+            <a:avLst/>
+          </a:prstGeom>
+          <a:ln>
+            <a:tailEnd type="arrow" w="med" len="med"/>
+          </a:ln>
+        </p:spPr>
+        <p:style>
+          <a:lnRef idx="1">
+            <a:schemeClr val="dk1"/>
+          </a:lnRef>
+          <a:fillRef idx="0">
+            <a:schemeClr val="dk1"/>
+          </a:fillRef>
+          <a:effectRef idx="0">
+            <a:schemeClr val="dk1"/>
+          </a:effectRef>
+          <a:fontRef idx="minor">
+            <a:schemeClr val="tx1"/>
+          </a:fontRef>
+        </p:style>
+      </p:cxnSp>
+      <p:cxnSp>
+        <p:nvCxnSpPr>
+          <p:cNvPr id="20" name="Straight Arrow Connector 19"/>
+          <p:cNvCxnSpPr/>
+          <p:nvPr/>
+        </p:nvCxnSpPr>
+        <p:spPr>
+          <a:xfrm flipV="1">
+            <a:off x="7820025" y="4709160"/>
+            <a:ext cx="1155065" cy="8255"/>
+          </a:xfrm>
+          <a:prstGeom prst="straightConnector1">
+            <a:avLst/>
+          </a:prstGeom>
+          <a:ln>
+            <a:tailEnd type="arrow" w="med" len="med"/>
+          </a:ln>
+        </p:spPr>
+        <p:style>
+          <a:lnRef idx="1">
+            <a:schemeClr val="dk1"/>
+          </a:lnRef>
+          <a:fillRef idx="0">
+            <a:schemeClr val="dk1"/>
+          </a:fillRef>
+          <a:effectRef idx="0">
+            <a:schemeClr val="dk1"/>
+          </a:effectRef>
+          <a:fontRef idx="minor">
+            <a:schemeClr val="tx1"/>
+          </a:fontRef>
+        </p:style>
+      </p:cxnSp>
+      <p:sp>
+        <p:nvSpPr>
+          <p:cNvPr id="21" name="Flowchart: Data 20"/>
+          <p:cNvSpPr/>
+          <p:nvPr/>
+        </p:nvSpPr>
+        <p:spPr>
+          <a:xfrm>
+            <a:off x="8810625" y="4472940"/>
+            <a:ext cx="2776220" cy="480695"/>
+          </a:xfrm>
+          <a:prstGeom prst="flowChartInputOutput">
+            <a:avLst/>
+          </a:prstGeom>
+        </p:spPr>
+        <p:style>
+          <a:lnRef idx="2">
+            <a:schemeClr val="accent1">
+              <a:shade val="50000"/>
+            </a:schemeClr>
+          </a:lnRef>
+          <a:fillRef idx="1">
+            <a:schemeClr val="accent1"/>
+          </a:fillRef>
+          <a:effectRef idx="0">
+            <a:schemeClr val="accent1"/>
+          </a:effectRef>
+          <a:fontRef idx="minor">
+            <a:schemeClr val="lt1"/>
+          </a:fontRef>
+        </p:style>
+        <p:txBody>
+          <a:bodyPr rtlCol="0" anchor="ctr"/>
+          <a:p>
+            <a:pPr algn="ctr"/>
+            <a:endParaRPr lang="en-US"/>
+          </a:p>
+        </p:txBody>
+      </p:sp>
+      <p:sp>
+        <p:nvSpPr>
+          <p:cNvPr id="22" name="Flowchart: Terminator 21"/>
+          <p:cNvSpPr/>
+          <p:nvPr/>
+        </p:nvSpPr>
+        <p:spPr>
+          <a:xfrm>
+            <a:off x="5328920" y="6057265"/>
+            <a:ext cx="2205355" cy="687070"/>
+          </a:xfrm>
+          <a:prstGeom prst="flowChartTerminator">
+            <a:avLst/>
+          </a:prstGeom>
+          <a:solidFill>
+            <a:srgbClr val="00B050"/>
+          </a:solidFill>
+        </p:spPr>
+        <p:style>
+          <a:lnRef idx="2">
+            <a:schemeClr val="accent1">
+              <a:shade val="50000"/>
+            </a:schemeClr>
+          </a:lnRef>
+          <a:fillRef idx="1">
+            <a:schemeClr val="accent1"/>
+          </a:fillRef>
+          <a:effectRef idx="0">
+            <a:schemeClr val="accent1"/>
+          </a:effectRef>
+          <a:fontRef idx="minor">
+            <a:schemeClr val="lt1"/>
+          </a:fontRef>
+        </p:style>
+        <p:txBody>
+          <a:bodyPr rtlCol="0" anchor="ctr"/>
+          <a:p>
+            <a:pPr algn="ctr"/>
+            <a:endParaRPr lang="en-US"/>
+          </a:p>
+        </p:txBody>
+      </p:sp>
+      <p:cxnSp>
+        <p:nvCxnSpPr>
+          <p:cNvPr id="23" name="Elbow Connector 22"/>
+          <p:cNvCxnSpPr>
+            <a:stCxn id="18" idx="4"/>
+            <a:endCxn id="22" idx="1"/>
+          </p:cNvCxnSpPr>
+          <p:nvPr/>
+        </p:nvCxnSpPr>
+        <p:spPr>
+          <a:xfrm rot="5400000" flipV="1">
+            <a:off x="3479165" y="4550410"/>
+            <a:ext cx="1440815" cy="2258695"/>
+          </a:xfrm>
+          <a:prstGeom prst="bentConnector2">
+            <a:avLst/>
+          </a:prstGeom>
+          <a:ln>
+            <a:tailEnd type="arrow" w="med" len="med"/>
+          </a:ln>
+        </p:spPr>
+        <p:style>
+          <a:lnRef idx="1">
+            <a:schemeClr val="dk1"/>
+          </a:lnRef>
+          <a:fillRef idx="0">
+            <a:schemeClr val="dk1"/>
+          </a:fillRef>
+          <a:effectRef idx="0">
+            <a:schemeClr val="dk1"/>
+          </a:effectRef>
+          <a:fontRef idx="minor">
+            <a:schemeClr val="tx1"/>
+          </a:fontRef>
+        </p:style>
+      </p:cxnSp>
+      <p:cxnSp>
+        <p:nvCxnSpPr>
+          <p:cNvPr id="24" name="Elbow Connector 23"/>
+          <p:cNvCxnSpPr>
+            <a:stCxn id="21" idx="4"/>
+            <a:endCxn id="22" idx="3"/>
+          </p:cNvCxnSpPr>
+          <p:nvPr/>
+        </p:nvCxnSpPr>
+        <p:spPr>
+          <a:xfrm rot="5400000">
+            <a:off x="8143240" y="4344670"/>
+            <a:ext cx="1447165" cy="2664460"/>
+          </a:xfrm>
+          <a:prstGeom prst="bentConnector2">
+            <a:avLst/>
+          </a:prstGeom>
+          <a:ln>
+            <a:tailEnd type="arrow" w="med" len="med"/>
+          </a:ln>
+        </p:spPr>
+        <p:style>
+          <a:lnRef idx="1">
+            <a:schemeClr val="dk1"/>
+          </a:lnRef>
+          <a:fillRef idx="0">
+            <a:schemeClr val="dk1"/>
+          </a:fillRef>
+          <a:effectRef idx="0">
+            <a:schemeClr val="dk1"/>
+          </a:effectRef>
+          <a:fontRef idx="minor">
+            <a:schemeClr val="tx1"/>
+          </a:fontRef>
+        </p:style>
+      </p:cxnSp>
+      <p:cxnSp>
+        <p:nvCxnSpPr>
+          <p:cNvPr id="25" name="Straight Arrow Connector 24"/>
+          <p:cNvCxnSpPr/>
+          <p:nvPr/>
+        </p:nvCxnSpPr>
+        <p:spPr>
+          <a:xfrm flipH="1">
+            <a:off x="2896870" y="2723515"/>
+            <a:ext cx="14605" cy="1705610"/>
+          </a:xfrm>
+          <a:prstGeom prst="straightConnector1">
+            <a:avLst/>
+          </a:prstGeom>
+          <a:ln>
+            <a:tailEnd type="arrow" w="med" len="med"/>
+          </a:ln>
+        </p:spPr>
+        <p:style>
+          <a:lnRef idx="1">
+            <a:schemeClr val="dk1"/>
+          </a:lnRef>
+          <a:fillRef idx="0">
+            <a:schemeClr val="dk1"/>
+          </a:fillRef>
+          <a:effectRef idx="0">
+            <a:schemeClr val="dk1"/>
+          </a:effectRef>
+          <a:fontRef idx="minor">
+            <a:schemeClr val="tx1"/>
+          </a:fontRef>
+        </p:style>
+      </p:cxnSp>
+      <p:sp>
+        <p:nvSpPr>
+          <p:cNvPr id="26" name="Text Box 25"/>
+          <p:cNvSpPr txBox="1"/>
+          <p:nvPr/>
+        </p:nvSpPr>
+        <p:spPr>
+          <a:xfrm>
+            <a:off x="5702935" y="188595"/>
+            <a:ext cx="1569720" cy="368300"/>
+          </a:xfrm>
+          <a:prstGeom prst="rect">
+            <a:avLst/>
+          </a:prstGeom>
+          <a:noFill/>
+        </p:spPr>
+        <p:txBody>
+          <a:bodyPr wrap="square" rtlCol="0">
+            <a:spAutoFit/>
+          </a:bodyPr>
+          <a:p>
+            <a:pPr algn="ctr"/>
+            <a:r>
+              <a:rPr lang="en-GB" altLang="en-US"/>
+              <a:t>Start</a:t>
+            </a:r>
+            <a:endParaRPr lang="en-GB" altLang="en-US"/>
+          </a:p>
+        </p:txBody>
+      </p:sp>
+      <p:sp>
+        <p:nvSpPr>
+          <p:cNvPr id="27" name="Text Box 26"/>
+          <p:cNvSpPr txBox="1"/>
+          <p:nvPr/>
+        </p:nvSpPr>
+        <p:spPr>
+          <a:xfrm>
+            <a:off x="4930140" y="968375"/>
+            <a:ext cx="3002915" cy="645160"/>
+          </a:xfrm>
+          <a:prstGeom prst="rect">
+            <a:avLst/>
+          </a:prstGeom>
+          <a:noFill/>
+        </p:spPr>
+        <p:txBody>
+          <a:bodyPr wrap="square" rtlCol="0">
+            <a:spAutoFit/>
+          </a:bodyPr>
+          <a:p>
+            <a:pPr algn="ctr"/>
+            <a:r>
+              <a:rPr lang="en-GB" altLang="en-US"/>
+              <a:t>Input a</a:t>
+            </a:r>
+            <a:endParaRPr lang="en-GB" altLang="en-US"/>
+          </a:p>
+          <a:p>
+            <a:pPr algn="ctr"/>
+            <a:r>
+              <a:rPr lang="en-GB" altLang="en-US"/>
+              <a:t>Input b</a:t>
+            </a:r>
+            <a:endParaRPr lang="en-GB" altLang="en-US"/>
+          </a:p>
+        </p:txBody>
+      </p:sp>
+      <p:sp>
+        <p:nvSpPr>
+          <p:cNvPr id="28" name="Text Box 27"/>
+          <p:cNvSpPr txBox="1"/>
+          <p:nvPr/>
+        </p:nvSpPr>
+        <p:spPr>
+          <a:xfrm>
+            <a:off x="5521960" y="2144395"/>
+            <a:ext cx="2143125" cy="645160"/>
+          </a:xfrm>
+          <a:prstGeom prst="rect">
+            <a:avLst/>
+          </a:prstGeom>
+          <a:noFill/>
+        </p:spPr>
+        <p:txBody>
+          <a:bodyPr wrap="square" rtlCol="0">
+            <a:spAutoFit/>
+          </a:bodyPr>
+          <a:p>
+            <a:r>
+              <a:rPr lang="en-GB" altLang="en-US"/>
+              <a:t>If a/2 gives a remainder of 0</a:t>
+            </a:r>
+            <a:endParaRPr lang="en-GB" altLang="en-US"/>
+          </a:p>
+        </p:txBody>
+      </p:sp>
+      <p:sp>
+        <p:nvSpPr>
+          <p:cNvPr id="29" name="Text Box 28"/>
+          <p:cNvSpPr txBox="1"/>
+          <p:nvPr/>
+        </p:nvSpPr>
+        <p:spPr>
+          <a:xfrm>
+            <a:off x="2428875" y="2346325"/>
+            <a:ext cx="1599565" cy="368300"/>
+          </a:xfrm>
+          <a:prstGeom prst="rect">
+            <a:avLst/>
+          </a:prstGeom>
+          <a:noFill/>
+        </p:spPr>
+        <p:txBody>
+          <a:bodyPr wrap="square" rtlCol="0">
+            <a:spAutoFit/>
+          </a:bodyPr>
+          <a:p>
+            <a:pPr algn="ctr"/>
+            <a:r>
+              <a:rPr lang="en-GB" altLang="en-US"/>
+              <a:t>Print Even</a:t>
+            </a:r>
+            <a:endParaRPr lang="en-GB" altLang="en-US"/>
+          </a:p>
+        </p:txBody>
+      </p:sp>
+      <p:sp>
+        <p:nvSpPr>
+          <p:cNvPr id="30" name="Text Box 29"/>
+          <p:cNvSpPr txBox="1"/>
+          <p:nvPr/>
+        </p:nvSpPr>
+        <p:spPr>
+          <a:xfrm>
+            <a:off x="2270125" y="4528820"/>
+            <a:ext cx="1599565" cy="368300"/>
+          </a:xfrm>
+          <a:prstGeom prst="rect">
+            <a:avLst/>
+          </a:prstGeom>
+          <a:noFill/>
+        </p:spPr>
+        <p:txBody>
+          <a:bodyPr wrap="square" rtlCol="0">
+            <a:spAutoFit/>
+          </a:bodyPr>
+          <a:p>
+            <a:pPr algn="ctr"/>
+            <a:r>
+              <a:rPr lang="en-GB" altLang="en-US"/>
+              <a:t>Print Even</a:t>
+            </a:r>
+            <a:endParaRPr lang="en-GB" altLang="en-US"/>
+          </a:p>
+        </p:txBody>
+      </p:sp>
+      <p:sp>
+        <p:nvSpPr>
+          <p:cNvPr id="31" name="Text Box 30"/>
+          <p:cNvSpPr txBox="1"/>
+          <p:nvPr/>
+        </p:nvSpPr>
+        <p:spPr>
+          <a:xfrm>
+            <a:off x="5521960" y="4472940"/>
+            <a:ext cx="2143125" cy="645160"/>
+          </a:xfrm>
+          <a:prstGeom prst="rect">
+            <a:avLst/>
+          </a:prstGeom>
+          <a:noFill/>
+        </p:spPr>
+        <p:txBody>
+          <a:bodyPr wrap="square" rtlCol="0">
+            <a:spAutoFit/>
+          </a:bodyPr>
+          <a:p>
+            <a:r>
+              <a:rPr lang="en-GB" altLang="en-US"/>
+              <a:t>If b/2 gives a remainder of 0</a:t>
+            </a:r>
+            <a:endParaRPr lang="en-GB" altLang="en-US"/>
+          </a:p>
+        </p:txBody>
+      </p:sp>
+      <p:sp>
+        <p:nvSpPr>
+          <p:cNvPr id="32" name="Text Box 31"/>
+          <p:cNvSpPr txBox="1"/>
+          <p:nvPr/>
+        </p:nvSpPr>
+        <p:spPr>
+          <a:xfrm>
+            <a:off x="5521960" y="3399155"/>
+            <a:ext cx="1599565" cy="368300"/>
+          </a:xfrm>
+          <a:prstGeom prst="rect">
+            <a:avLst/>
+          </a:prstGeom>
+          <a:noFill/>
+        </p:spPr>
+        <p:txBody>
+          <a:bodyPr wrap="square" rtlCol="0">
+            <a:spAutoFit/>
+          </a:bodyPr>
+          <a:p>
+            <a:pPr algn="ctr"/>
+            <a:r>
+              <a:rPr lang="en-GB" altLang="en-US"/>
+              <a:t>Print Odd</a:t>
+            </a:r>
+            <a:endParaRPr lang="en-GB" altLang="en-US"/>
+          </a:p>
+        </p:txBody>
+      </p:sp>
+      <p:sp>
+        <p:nvSpPr>
+          <p:cNvPr id="33" name="Text Box 32"/>
+          <p:cNvSpPr txBox="1"/>
+          <p:nvPr/>
+        </p:nvSpPr>
+        <p:spPr>
+          <a:xfrm>
+            <a:off x="9526905" y="4528820"/>
+            <a:ext cx="1599565" cy="368300"/>
+          </a:xfrm>
+          <a:prstGeom prst="rect">
+            <a:avLst/>
+          </a:prstGeom>
+          <a:noFill/>
+        </p:spPr>
+        <p:txBody>
+          <a:bodyPr wrap="square" rtlCol="0">
+            <a:spAutoFit/>
+          </a:bodyPr>
+          <a:p>
+            <a:pPr algn="ctr"/>
+            <a:r>
+              <a:rPr lang="en-GB" altLang="en-US"/>
+              <a:t>Print Odd</a:t>
+            </a:r>
+            <a:endParaRPr lang="en-GB" altLang="en-US"/>
+          </a:p>
+        </p:txBody>
+      </p:sp>
+      <p:sp>
+        <p:nvSpPr>
+          <p:cNvPr id="34" name="Text Box 33"/>
+          <p:cNvSpPr txBox="1"/>
+          <p:nvPr/>
+        </p:nvSpPr>
+        <p:spPr>
+          <a:xfrm>
+            <a:off x="5702935" y="6254750"/>
+            <a:ext cx="1675130" cy="368300"/>
+          </a:xfrm>
+          <a:prstGeom prst="rect">
+            <a:avLst/>
+          </a:prstGeom>
+          <a:noFill/>
+        </p:spPr>
+        <p:txBody>
+          <a:bodyPr wrap="square" rtlCol="0">
+            <a:spAutoFit/>
+          </a:bodyPr>
+          <a:p>
+            <a:pPr algn="ctr"/>
+            <a:r>
+              <a:rPr lang="en-GB" altLang="en-US"/>
+              <a:t>End</a:t>
+            </a:r>
+            <a:endParaRPr lang="en-GB" altLang="en-US"/>
           </a:p>
         </p:txBody>
       </p:sp>
     </p:spTree>
-    <p:extLst>
-      <p:ext uri="{BB962C8B-B14F-4D97-AF65-F5344CB8AC3E}">
-        <p14:creationId xmlns:p14="http://schemas.microsoft.com/office/powerpoint/2010/main" val="3201289857"/>
-      </p:ext>
-    </p:extLst>
   </p:cSld>
   <p:clrMapOvr>
     <a:masterClrMapping/>
@@ -3465,19 +4247,109 @@
         </p:nvSpPr>
         <p:spPr/>
         <p:txBody>
-          <a:bodyPr/>
+          <a:bodyPr>
+            <a:normAutofit lnSpcReduction="20000"/>
+          </a:bodyPr>
           <a:lstStyle/>
           <a:p>
-            <a:endParaRPr lang="en-US"/>
+            <a:r>
+              <a:rPr lang="en-GB" altLang="en-US" sz="2000" i="1" u="sng"/>
+              <a:t>Pseudocode:</a:t>
+            </a:r>
+            <a:endParaRPr lang="en-GB" altLang="en-US" sz="2000" i="1" u="sng"/>
+          </a:p>
+          <a:p>
+            <a:r>
+              <a:rPr lang="en-GB" altLang="en-US" sz="2000"/>
+              <a:t>Input q</a:t>
+            </a:r>
+            <a:endParaRPr lang="en-GB" altLang="en-US" sz="2000"/>
+          </a:p>
+          <a:p>
+            <a:r>
+              <a:rPr lang="en-GB" altLang="en-US" sz="2000"/>
+              <a:t>Input r</a:t>
+            </a:r>
+            <a:endParaRPr lang="en-GB" altLang="en-US" sz="2000"/>
+          </a:p>
+          <a:p>
+            <a:r>
+              <a:rPr lang="en-GB" altLang="en-US" sz="2000"/>
+              <a:t>Compute s = q + r</a:t>
+            </a:r>
+            <a:endParaRPr lang="en-GB" altLang="en-US" sz="2000"/>
+          </a:p>
+          <a:p>
+            <a:r>
+              <a:rPr lang="en-GB" altLang="en-US" sz="2000"/>
+              <a:t>Compute Even = ‘Even’</a:t>
+            </a:r>
+            <a:endParaRPr lang="en-GB" altLang="en-US" sz="2000"/>
+          </a:p>
+          <a:p>
+            <a:r>
+              <a:rPr lang="en-GB" altLang="en-US" sz="2000"/>
+              <a:t>Compute Odd = ‘Odd’</a:t>
+            </a:r>
+            <a:endParaRPr lang="en-GB" altLang="en-US" sz="2000"/>
+          </a:p>
+          <a:p>
+            <a:r>
+              <a:rPr lang="en-GB" altLang="en-US" sz="2000"/>
+              <a:t>If s divide 2 gives a remainder of 0</a:t>
+            </a:r>
+            <a:endParaRPr lang="en-GB" altLang="en-US" sz="2000"/>
+          </a:p>
+          <a:p>
+            <a:r>
+              <a:rPr lang="en-GB" altLang="en-US" sz="2000"/>
+              <a:t>Print Even</a:t>
+            </a:r>
+            <a:endParaRPr lang="en-GB" altLang="en-US" sz="2000"/>
+          </a:p>
+          <a:p>
+            <a:r>
+              <a:rPr lang="en-GB" altLang="en-US" sz="2000"/>
+              <a:t>Else Print  Odd</a:t>
+            </a:r>
+            <a:endParaRPr lang="en-GB" altLang="en-US" sz="2000"/>
+          </a:p>
+          <a:p>
+            <a:r>
+              <a:rPr lang="en-GB" altLang="en-US" sz="2000">
+                <a:sym typeface="+mn-ea"/>
+              </a:rPr>
+              <a:t>If s divide 2 equals 0</a:t>
+            </a:r>
+            <a:endParaRPr lang="en-GB" altLang="en-US" sz="2000"/>
+          </a:p>
+          <a:p>
+            <a:r>
+              <a:rPr lang="en-GB" altLang="en-US" sz="2000">
+                <a:sym typeface="+mn-ea"/>
+              </a:rPr>
+              <a:t>Print Even</a:t>
+            </a:r>
+            <a:endParaRPr lang="en-GB" altLang="en-US" sz="2000"/>
+          </a:p>
+          <a:p>
+            <a:r>
+              <a:rPr lang="en-GB" altLang="en-US" sz="2000">
+                <a:sym typeface="+mn-ea"/>
+              </a:rPr>
+              <a:t>Else Print  Odd</a:t>
+            </a:r>
+            <a:endParaRPr lang="en-GB" altLang="en-US" sz="2000"/>
+          </a:p>
+          <a:p>
+            <a:endParaRPr lang="en-GB" altLang="en-US" sz="2000"/>
+          </a:p>
+          <a:p>
+            <a:endParaRPr lang="en-GB" altLang="en-US" sz="2000"/>
           </a:p>
         </p:txBody>
       </p:sp>
     </p:spTree>
-    <p:extLst>
-      <p:ext uri="{BB962C8B-B14F-4D97-AF65-F5344CB8AC3E}">
-        <p14:creationId xmlns:p14="http://schemas.microsoft.com/office/powerpoint/2010/main" val="147474603"/>
-      </p:ext>
-    </p:extLst>
   </p:cSld>
   <p:clrMapOvr>
     <a:masterClrMapping/>
@@ -3512,44 +4384,1284 @@
             <p:ph type="title"/>
           </p:nvPr>
         </p:nvSpPr>
-        <p:spPr/>
+        <p:spPr>
+          <a:xfrm>
+            <a:off x="0" y="0"/>
+            <a:ext cx="3286760" cy="1086485"/>
+          </a:xfrm>
+        </p:spPr>
         <p:txBody>
           <a:bodyPr/>
           <a:lstStyle/>
           <a:p>
             <a:r>
-              <a:rPr lang="en-GB" dirty="0" smtClean="0"/>
-              <a:t>pseudo</a:t>
-            </a:r>
-            <a:endParaRPr lang="en-US" dirty="0"/>
-          </a:p>
-        </p:txBody>
-      </p:sp>
-      <p:sp>
-        <p:nvSpPr>
-          <p:cNvPr id="3" name="Content Placeholder 2"/>
-          <p:cNvSpPr>
-            <a:spLocks noGrp="1"/>
-          </p:cNvSpPr>
-          <p:nvPr>
-            <p:ph idx="1"/>
-          </p:nvPr>
-        </p:nvSpPr>
-        <p:spPr/>
-        <p:txBody>
-          <a:bodyPr/>
-          <a:lstStyle/>
-          <a:p>
-            <a:endParaRPr lang="en-US"/>
+              <a:rPr lang="en-GB" altLang="en-US" sz="2400" dirty="0"/>
+              <a:t>Flow chart for Exercise 2</a:t>
+            </a:r>
+            <a:endParaRPr lang="en-GB" altLang="en-US" sz="2400" dirty="0"/>
+          </a:p>
+        </p:txBody>
+      </p:sp>
+      <p:sp>
+        <p:nvSpPr>
+          <p:cNvPr id="4" name="Flowchart: Terminator 3"/>
+          <p:cNvSpPr/>
+          <p:nvPr/>
+        </p:nvSpPr>
+        <p:spPr>
+          <a:xfrm>
+            <a:off x="4641215" y="0"/>
+            <a:ext cx="2027555" cy="587375"/>
+          </a:xfrm>
+          <a:prstGeom prst="flowChartTerminator">
+            <a:avLst/>
+          </a:prstGeom>
+          <a:solidFill>
+            <a:srgbClr val="00B050"/>
+          </a:solidFill>
+        </p:spPr>
+        <p:style>
+          <a:lnRef idx="2">
+            <a:schemeClr val="accent1">
+              <a:shade val="50000"/>
+            </a:schemeClr>
+          </a:lnRef>
+          <a:fillRef idx="1">
+            <a:schemeClr val="accent1"/>
+          </a:fillRef>
+          <a:effectRef idx="0">
+            <a:schemeClr val="accent1"/>
+          </a:effectRef>
+          <a:fontRef idx="minor">
+            <a:schemeClr val="lt1"/>
+          </a:fontRef>
+        </p:style>
+        <p:txBody>
+          <a:bodyPr rtlCol="0" anchor="ctr"/>
+          <a:p>
+            <a:pPr algn="ctr"/>
+            <a:endParaRPr lang="en-US"/>
+          </a:p>
+        </p:txBody>
+      </p:sp>
+      <p:cxnSp>
+        <p:nvCxnSpPr>
+          <p:cNvPr id="5" name="Straight Arrow Connector 4"/>
+          <p:cNvCxnSpPr>
+            <a:stCxn id="4" idx="2"/>
+          </p:cNvCxnSpPr>
+          <p:nvPr/>
+        </p:nvCxnSpPr>
+        <p:spPr>
+          <a:xfrm flipH="1">
+            <a:off x="5651500" y="587375"/>
+            <a:ext cx="3810" cy="202565"/>
+          </a:xfrm>
+          <a:prstGeom prst="straightConnector1">
+            <a:avLst/>
+          </a:prstGeom>
+          <a:ln>
+            <a:tailEnd type="arrow" w="med" len="med"/>
+          </a:ln>
+        </p:spPr>
+        <p:style>
+          <a:lnRef idx="1">
+            <a:schemeClr val="dk1"/>
+          </a:lnRef>
+          <a:fillRef idx="0">
+            <a:schemeClr val="dk1"/>
+          </a:fillRef>
+          <a:effectRef idx="0">
+            <a:schemeClr val="dk1"/>
+          </a:effectRef>
+          <a:fontRef idx="minor">
+            <a:schemeClr val="tx1"/>
+          </a:fontRef>
+        </p:style>
+      </p:cxnSp>
+      <p:sp>
+        <p:nvSpPr>
+          <p:cNvPr id="6" name="Flowchart: Data 5"/>
+          <p:cNvSpPr/>
+          <p:nvPr/>
+        </p:nvSpPr>
+        <p:spPr>
+          <a:xfrm>
+            <a:off x="4392295" y="789940"/>
+            <a:ext cx="2408555" cy="645160"/>
+          </a:xfrm>
+          <a:prstGeom prst="flowChartInputOutput">
+            <a:avLst/>
+          </a:prstGeom>
+        </p:spPr>
+        <p:style>
+          <a:lnRef idx="2">
+            <a:schemeClr val="accent1">
+              <a:shade val="50000"/>
+            </a:schemeClr>
+          </a:lnRef>
+          <a:fillRef idx="1">
+            <a:schemeClr val="accent1"/>
+          </a:fillRef>
+          <a:effectRef idx="0">
+            <a:schemeClr val="accent1"/>
+          </a:effectRef>
+          <a:fontRef idx="minor">
+            <a:schemeClr val="lt1"/>
+          </a:fontRef>
+        </p:style>
+        <p:txBody>
+          <a:bodyPr rtlCol="0" anchor="ctr"/>
+          <a:p>
+            <a:pPr algn="ctr"/>
+            <a:endParaRPr lang="en-US"/>
+          </a:p>
+        </p:txBody>
+      </p:sp>
+      <p:cxnSp>
+        <p:nvCxnSpPr>
+          <p:cNvPr id="7" name="Straight Arrow Connector 6"/>
+          <p:cNvCxnSpPr/>
+          <p:nvPr/>
+        </p:nvCxnSpPr>
+        <p:spPr>
+          <a:xfrm flipH="1">
+            <a:off x="5637530" y="1435100"/>
+            <a:ext cx="13970" cy="214630"/>
+          </a:xfrm>
+          <a:prstGeom prst="straightConnector1">
+            <a:avLst/>
+          </a:prstGeom>
+          <a:ln>
+            <a:tailEnd type="arrow" w="med" len="med"/>
+          </a:ln>
+        </p:spPr>
+        <p:style>
+          <a:lnRef idx="1">
+            <a:schemeClr val="dk1"/>
+          </a:lnRef>
+          <a:fillRef idx="0">
+            <a:schemeClr val="dk1"/>
+          </a:fillRef>
+          <a:effectRef idx="0">
+            <a:schemeClr val="dk1"/>
+          </a:effectRef>
+          <a:fontRef idx="minor">
+            <a:schemeClr val="tx1"/>
+          </a:fontRef>
+        </p:style>
+      </p:cxnSp>
+      <p:sp>
+        <p:nvSpPr>
+          <p:cNvPr id="8" name="Flowchart: Process 7"/>
+          <p:cNvSpPr/>
+          <p:nvPr/>
+        </p:nvSpPr>
+        <p:spPr>
+          <a:xfrm>
+            <a:off x="4979035" y="1649730"/>
+            <a:ext cx="1330325" cy="365760"/>
+          </a:xfrm>
+          <a:prstGeom prst="flowChartProcess">
+            <a:avLst/>
+          </a:prstGeom>
+        </p:spPr>
+        <p:style>
+          <a:lnRef idx="2">
+            <a:schemeClr val="accent4">
+              <a:shade val="50000"/>
+            </a:schemeClr>
+          </a:lnRef>
+          <a:fillRef idx="1">
+            <a:schemeClr val="accent4"/>
+          </a:fillRef>
+          <a:effectRef idx="0">
+            <a:schemeClr val="accent4"/>
+          </a:effectRef>
+          <a:fontRef idx="minor">
+            <a:schemeClr val="lt1"/>
+          </a:fontRef>
+        </p:style>
+        <p:txBody>
+          <a:bodyPr rtlCol="0" anchor="ctr"/>
+          <a:p>
+            <a:pPr algn="ctr"/>
+            <a:endParaRPr lang="en-US"/>
+          </a:p>
+        </p:txBody>
+      </p:sp>
+      <p:sp>
+        <p:nvSpPr>
+          <p:cNvPr id="9" name="Flowchart: Data 8"/>
+          <p:cNvSpPr/>
+          <p:nvPr/>
+        </p:nvSpPr>
+        <p:spPr>
+          <a:xfrm>
+            <a:off x="4361180" y="2308860"/>
+            <a:ext cx="2408555" cy="447675"/>
+          </a:xfrm>
+          <a:prstGeom prst="flowChartInputOutput">
+            <a:avLst/>
+          </a:prstGeom>
+        </p:spPr>
+        <p:style>
+          <a:lnRef idx="2">
+            <a:schemeClr val="accent1">
+              <a:shade val="50000"/>
+            </a:schemeClr>
+          </a:lnRef>
+          <a:fillRef idx="1">
+            <a:schemeClr val="accent1"/>
+          </a:fillRef>
+          <a:effectRef idx="0">
+            <a:schemeClr val="accent1"/>
+          </a:effectRef>
+          <a:fontRef idx="minor">
+            <a:schemeClr val="lt1"/>
+          </a:fontRef>
+        </p:style>
+        <p:txBody>
+          <a:bodyPr rtlCol="0" anchor="ctr"/>
+          <a:p>
+            <a:pPr algn="ctr"/>
+            <a:endParaRPr lang="en-US"/>
+          </a:p>
+        </p:txBody>
+      </p:sp>
+      <p:cxnSp>
+        <p:nvCxnSpPr>
+          <p:cNvPr id="10" name="Straight Arrow Connector 9"/>
+          <p:cNvCxnSpPr/>
+          <p:nvPr/>
+        </p:nvCxnSpPr>
+        <p:spPr>
+          <a:xfrm flipH="1">
+            <a:off x="5622925" y="2015490"/>
+            <a:ext cx="14605" cy="293370"/>
+          </a:xfrm>
+          <a:prstGeom prst="straightConnector1">
+            <a:avLst/>
+          </a:prstGeom>
+          <a:ln>
+            <a:tailEnd type="arrow" w="med" len="med"/>
+          </a:ln>
+        </p:spPr>
+        <p:style>
+          <a:lnRef idx="1">
+            <a:schemeClr val="dk1"/>
+          </a:lnRef>
+          <a:fillRef idx="0">
+            <a:schemeClr val="dk1"/>
+          </a:fillRef>
+          <a:effectRef idx="0">
+            <a:schemeClr val="dk1"/>
+          </a:effectRef>
+          <a:fontRef idx="minor">
+            <a:schemeClr val="tx1"/>
+          </a:fontRef>
+        </p:style>
+      </p:cxnSp>
+      <p:cxnSp>
+        <p:nvCxnSpPr>
+          <p:cNvPr id="11" name="Straight Arrow Connector 10"/>
+          <p:cNvCxnSpPr/>
+          <p:nvPr/>
+        </p:nvCxnSpPr>
+        <p:spPr>
+          <a:xfrm flipH="1">
+            <a:off x="5553710" y="2756535"/>
+            <a:ext cx="12065" cy="400050"/>
+          </a:xfrm>
+          <a:prstGeom prst="straightConnector1">
+            <a:avLst/>
+          </a:prstGeom>
+          <a:ln>
+            <a:tailEnd type="arrow" w="med" len="med"/>
+          </a:ln>
+        </p:spPr>
+        <p:style>
+          <a:lnRef idx="1">
+            <a:schemeClr val="dk1"/>
+          </a:lnRef>
+          <a:fillRef idx="0">
+            <a:schemeClr val="dk1"/>
+          </a:fillRef>
+          <a:effectRef idx="0">
+            <a:schemeClr val="dk1"/>
+          </a:effectRef>
+          <a:fontRef idx="minor">
+            <a:schemeClr val="tx1"/>
+          </a:fontRef>
+        </p:style>
+      </p:cxnSp>
+      <p:sp>
+        <p:nvSpPr>
+          <p:cNvPr id="12" name="Flowchart: Decision 11"/>
+          <p:cNvSpPr/>
+          <p:nvPr/>
+        </p:nvSpPr>
+        <p:spPr>
+          <a:xfrm>
+            <a:off x="4506595" y="3154045"/>
+            <a:ext cx="2118360" cy="954405"/>
+          </a:xfrm>
+          <a:prstGeom prst="flowChartDecision">
+            <a:avLst/>
+          </a:prstGeom>
+          <a:gradFill>
+            <a:gsLst>
+              <a:gs pos="0">
+                <a:srgbClr val="E30000"/>
+              </a:gs>
+              <a:gs pos="100000">
+                <a:srgbClr val="760303"/>
+              </a:gs>
+            </a:gsLst>
+            <a:lin scaled="0"/>
+          </a:gradFill>
+        </p:spPr>
+        <p:style>
+          <a:lnRef idx="2">
+            <a:schemeClr val="accent1">
+              <a:shade val="50000"/>
+            </a:schemeClr>
+          </a:lnRef>
+          <a:fillRef idx="1">
+            <a:schemeClr val="accent1"/>
+          </a:fillRef>
+          <a:effectRef idx="0">
+            <a:schemeClr val="accent1"/>
+          </a:effectRef>
+          <a:fontRef idx="minor">
+            <a:schemeClr val="lt1"/>
+          </a:fontRef>
+        </p:style>
+        <p:txBody>
+          <a:bodyPr rtlCol="0" anchor="ctr"/>
+          <a:p>
+            <a:pPr algn="ctr"/>
+            <a:endParaRPr lang="en-US"/>
+          </a:p>
+        </p:txBody>
+      </p:sp>
+      <p:cxnSp>
+        <p:nvCxnSpPr>
+          <p:cNvPr id="13" name="Straight Arrow Connector 12"/>
+          <p:cNvCxnSpPr>
+            <a:stCxn id="12" idx="1"/>
+          </p:cNvCxnSpPr>
+          <p:nvPr/>
+        </p:nvCxnSpPr>
+        <p:spPr>
+          <a:xfrm flipH="1" flipV="1">
+            <a:off x="3648075" y="3626485"/>
+            <a:ext cx="858520" cy="5080"/>
+          </a:xfrm>
+          <a:prstGeom prst="straightConnector1">
+            <a:avLst/>
+          </a:prstGeom>
+          <a:ln>
+            <a:tailEnd type="arrow" w="med" len="med"/>
+          </a:ln>
+        </p:spPr>
+        <p:style>
+          <a:lnRef idx="1">
+            <a:schemeClr val="dk1"/>
+          </a:lnRef>
+          <a:fillRef idx="0">
+            <a:schemeClr val="dk1"/>
+          </a:fillRef>
+          <a:effectRef idx="0">
+            <a:schemeClr val="dk1"/>
+          </a:effectRef>
+          <a:fontRef idx="minor">
+            <a:schemeClr val="tx1"/>
+          </a:fontRef>
+        </p:style>
+      </p:cxnSp>
+      <p:sp>
+        <p:nvSpPr>
+          <p:cNvPr id="15" name="Flowchart: Decision 14"/>
+          <p:cNvSpPr/>
+          <p:nvPr/>
+        </p:nvSpPr>
+        <p:spPr>
+          <a:xfrm>
+            <a:off x="4488815" y="4508500"/>
+            <a:ext cx="2118360" cy="954405"/>
+          </a:xfrm>
+          <a:prstGeom prst="flowChartDecision">
+            <a:avLst/>
+          </a:prstGeom>
+          <a:gradFill>
+            <a:gsLst>
+              <a:gs pos="0">
+                <a:srgbClr val="E30000"/>
+              </a:gs>
+              <a:gs pos="100000">
+                <a:srgbClr val="760303"/>
+              </a:gs>
+            </a:gsLst>
+            <a:lin scaled="0"/>
+          </a:gradFill>
+        </p:spPr>
+        <p:style>
+          <a:lnRef idx="2">
+            <a:schemeClr val="accent1">
+              <a:shade val="50000"/>
+            </a:schemeClr>
+          </a:lnRef>
+          <a:fillRef idx="1">
+            <a:schemeClr val="accent1"/>
+          </a:fillRef>
+          <a:effectRef idx="0">
+            <a:schemeClr val="accent1"/>
+          </a:effectRef>
+          <a:fontRef idx="minor">
+            <a:schemeClr val="lt1"/>
+          </a:fontRef>
+        </p:style>
+        <p:txBody>
+          <a:bodyPr rtlCol="0" anchor="ctr"/>
+          <a:p>
+            <a:pPr algn="ctr"/>
+            <a:endParaRPr lang="en-US"/>
+          </a:p>
+        </p:txBody>
+      </p:sp>
+      <p:sp>
+        <p:nvSpPr>
+          <p:cNvPr id="16" name="Flowchart: Terminator 15"/>
+          <p:cNvSpPr/>
+          <p:nvPr/>
+        </p:nvSpPr>
+        <p:spPr>
+          <a:xfrm>
+            <a:off x="4361180" y="5707380"/>
+            <a:ext cx="2027555" cy="587375"/>
+          </a:xfrm>
+          <a:prstGeom prst="flowChartTerminator">
+            <a:avLst/>
+          </a:prstGeom>
+          <a:solidFill>
+            <a:srgbClr val="00B050"/>
+          </a:solidFill>
+        </p:spPr>
+        <p:style>
+          <a:lnRef idx="2">
+            <a:schemeClr val="accent1">
+              <a:shade val="50000"/>
+            </a:schemeClr>
+          </a:lnRef>
+          <a:fillRef idx="1">
+            <a:schemeClr val="accent1"/>
+          </a:fillRef>
+          <a:effectRef idx="0">
+            <a:schemeClr val="accent1"/>
+          </a:effectRef>
+          <a:fontRef idx="minor">
+            <a:schemeClr val="lt1"/>
+          </a:fontRef>
+        </p:style>
+        <p:txBody>
+          <a:bodyPr rtlCol="0" anchor="ctr"/>
+          <a:p>
+            <a:pPr algn="ctr"/>
+            <a:endParaRPr lang="en-US"/>
+          </a:p>
+        </p:txBody>
+      </p:sp>
+      <p:sp>
+        <p:nvSpPr>
+          <p:cNvPr id="17" name="Flowchart: Data 16"/>
+          <p:cNvSpPr/>
+          <p:nvPr/>
+        </p:nvSpPr>
+        <p:spPr>
+          <a:xfrm>
+            <a:off x="7079615" y="4664710"/>
+            <a:ext cx="2408555" cy="645160"/>
+          </a:xfrm>
+          <a:prstGeom prst="flowChartInputOutput">
+            <a:avLst/>
+          </a:prstGeom>
+        </p:spPr>
+        <p:style>
+          <a:lnRef idx="2">
+            <a:schemeClr val="accent1">
+              <a:shade val="50000"/>
+            </a:schemeClr>
+          </a:lnRef>
+          <a:fillRef idx="1">
+            <a:schemeClr val="accent1"/>
+          </a:fillRef>
+          <a:effectRef idx="0">
+            <a:schemeClr val="accent1"/>
+          </a:effectRef>
+          <a:fontRef idx="minor">
+            <a:schemeClr val="lt1"/>
+          </a:fontRef>
+        </p:style>
+        <p:txBody>
+          <a:bodyPr rtlCol="0" anchor="ctr"/>
+          <a:p>
+            <a:pPr algn="ctr"/>
+            <a:endParaRPr lang="en-US"/>
+          </a:p>
+        </p:txBody>
+      </p:sp>
+      <p:sp>
+        <p:nvSpPr>
+          <p:cNvPr id="18" name="Text Box 17"/>
+          <p:cNvSpPr txBox="1"/>
+          <p:nvPr/>
+        </p:nvSpPr>
+        <p:spPr>
+          <a:xfrm>
+            <a:off x="5064760" y="92710"/>
+            <a:ext cx="1002030" cy="368300"/>
+          </a:xfrm>
+          <a:prstGeom prst="rect">
+            <a:avLst/>
+          </a:prstGeom>
+          <a:noFill/>
+        </p:spPr>
+        <p:txBody>
+          <a:bodyPr wrap="square" rtlCol="0">
+            <a:spAutoFit/>
+          </a:bodyPr>
+          <a:p>
+            <a:pPr algn="ctr"/>
+            <a:r>
+              <a:rPr lang="en-GB" altLang="en-US"/>
+              <a:t>start</a:t>
+            </a:r>
+            <a:endParaRPr lang="en-GB" altLang="en-US"/>
+          </a:p>
+        </p:txBody>
+      </p:sp>
+      <p:sp>
+        <p:nvSpPr>
+          <p:cNvPr id="19" name="Text Box 18"/>
+          <p:cNvSpPr txBox="1"/>
+          <p:nvPr/>
+        </p:nvSpPr>
+        <p:spPr>
+          <a:xfrm>
+            <a:off x="4829810" y="789940"/>
+            <a:ext cx="1761490" cy="645160"/>
+          </a:xfrm>
+          <a:prstGeom prst="rect">
+            <a:avLst/>
+          </a:prstGeom>
+          <a:noFill/>
+        </p:spPr>
+        <p:txBody>
+          <a:bodyPr wrap="square" rtlCol="0">
+            <a:spAutoFit/>
+          </a:bodyPr>
+          <a:p>
+            <a:pPr algn="ctr"/>
+            <a:r>
+              <a:rPr lang="en-GB" altLang="en-US"/>
+              <a:t>Input q </a:t>
+            </a:r>
+            <a:endParaRPr lang="en-GB" altLang="en-US"/>
+          </a:p>
+          <a:p>
+            <a:pPr algn="ctr"/>
+            <a:r>
+              <a:rPr lang="en-GB" altLang="en-US"/>
+              <a:t>Input r</a:t>
+            </a:r>
+            <a:endParaRPr lang="en-GB" altLang="en-US"/>
+          </a:p>
+        </p:txBody>
+      </p:sp>
+      <p:sp>
+        <p:nvSpPr>
+          <p:cNvPr id="20" name="Text Box 19"/>
+          <p:cNvSpPr txBox="1"/>
+          <p:nvPr/>
+        </p:nvSpPr>
+        <p:spPr>
+          <a:xfrm>
+            <a:off x="4959350" y="1647190"/>
+            <a:ext cx="1631950" cy="368300"/>
+          </a:xfrm>
+          <a:prstGeom prst="rect">
+            <a:avLst/>
+          </a:prstGeom>
+          <a:noFill/>
+        </p:spPr>
+        <p:txBody>
+          <a:bodyPr wrap="square" rtlCol="0">
+            <a:spAutoFit/>
+          </a:bodyPr>
+          <a:p>
+            <a:r>
+              <a:rPr lang="en-GB" altLang="en-US"/>
+              <a:t>s = q + r</a:t>
+            </a:r>
+            <a:endParaRPr lang="en-GB" altLang="en-US"/>
+          </a:p>
+        </p:txBody>
+      </p:sp>
+      <p:sp>
+        <p:nvSpPr>
+          <p:cNvPr id="21" name="Text Box 20"/>
+          <p:cNvSpPr txBox="1"/>
+          <p:nvPr/>
+        </p:nvSpPr>
+        <p:spPr>
+          <a:xfrm>
+            <a:off x="4979035" y="2308860"/>
+            <a:ext cx="1760855" cy="460375"/>
+          </a:xfrm>
+          <a:prstGeom prst="rect">
+            <a:avLst/>
+          </a:prstGeom>
+          <a:noFill/>
+        </p:spPr>
+        <p:txBody>
+          <a:bodyPr wrap="square" rtlCol="0">
+            <a:spAutoFit/>
+          </a:bodyPr>
+          <a:p>
+            <a:r>
+              <a:rPr lang="en-GB" altLang="en-US" sz="1200"/>
+              <a:t>Even = ‘Even’</a:t>
+            </a:r>
+            <a:endParaRPr lang="en-GB" altLang="en-US" sz="1200"/>
+          </a:p>
+          <a:p>
+            <a:r>
+              <a:rPr lang="en-GB" altLang="en-US" sz="1200"/>
+              <a:t>Odd = ‘Odd’</a:t>
+            </a:r>
+            <a:endParaRPr lang="en-GB" altLang="en-US" sz="1200"/>
+          </a:p>
+        </p:txBody>
+      </p:sp>
+      <p:sp>
+        <p:nvSpPr>
+          <p:cNvPr id="22" name="Text Box 21"/>
+          <p:cNvSpPr txBox="1"/>
+          <p:nvPr/>
+        </p:nvSpPr>
+        <p:spPr>
+          <a:xfrm>
+            <a:off x="4849495" y="3368040"/>
+            <a:ext cx="1775460" cy="521970"/>
+          </a:xfrm>
+          <a:prstGeom prst="rect">
+            <a:avLst/>
+          </a:prstGeom>
+          <a:noFill/>
+        </p:spPr>
+        <p:txBody>
+          <a:bodyPr wrap="square" rtlCol="0">
+            <a:spAutoFit/>
+          </a:bodyPr>
+          <a:p>
+            <a:r>
+              <a:rPr lang="en-GB" altLang="en-US" sz="1400"/>
+              <a:t>If s / 2 gives a remainder of 0</a:t>
+            </a:r>
+            <a:endParaRPr lang="en-GB" altLang="en-US" sz="1400"/>
+          </a:p>
+        </p:txBody>
+      </p:sp>
+      <p:sp>
+        <p:nvSpPr>
+          <p:cNvPr id="23" name="Flowchart: Data 22"/>
+          <p:cNvSpPr/>
+          <p:nvPr/>
+        </p:nvSpPr>
+        <p:spPr>
+          <a:xfrm>
+            <a:off x="1938020" y="3368040"/>
+            <a:ext cx="1893570" cy="521970"/>
+          </a:xfrm>
+          <a:prstGeom prst="flowChartInputOutput">
+            <a:avLst/>
+          </a:prstGeom>
+        </p:spPr>
+        <p:style>
+          <a:lnRef idx="2">
+            <a:schemeClr val="accent1">
+              <a:shade val="50000"/>
+            </a:schemeClr>
+          </a:lnRef>
+          <a:fillRef idx="1">
+            <a:schemeClr val="accent1"/>
+          </a:fillRef>
+          <a:effectRef idx="0">
+            <a:schemeClr val="accent1"/>
+          </a:effectRef>
+          <a:fontRef idx="minor">
+            <a:schemeClr val="lt1"/>
+          </a:fontRef>
+        </p:style>
+        <p:txBody>
+          <a:bodyPr rtlCol="0" anchor="ctr"/>
+          <a:p>
+            <a:pPr algn="ctr"/>
+            <a:endParaRPr lang="en-US"/>
+          </a:p>
+        </p:txBody>
+      </p:sp>
+      <p:sp>
+        <p:nvSpPr>
+          <p:cNvPr id="24" name="Text Box 23"/>
+          <p:cNvSpPr txBox="1"/>
+          <p:nvPr/>
+        </p:nvSpPr>
+        <p:spPr>
+          <a:xfrm>
+            <a:off x="2214245" y="3444875"/>
+            <a:ext cx="1789430" cy="368300"/>
+          </a:xfrm>
+          <a:prstGeom prst="rect">
+            <a:avLst/>
+          </a:prstGeom>
+          <a:noFill/>
+        </p:spPr>
+        <p:txBody>
+          <a:bodyPr wrap="square" rtlCol="0">
+            <a:spAutoFit/>
+          </a:bodyPr>
+          <a:p>
+            <a:r>
+              <a:rPr lang="en-GB" altLang="en-US"/>
+              <a:t>Print Even</a:t>
+            </a:r>
+            <a:endParaRPr lang="en-GB" altLang="en-US"/>
+          </a:p>
+        </p:txBody>
+      </p:sp>
+      <p:sp>
+        <p:nvSpPr>
+          <p:cNvPr id="25" name="Flowchart: Data 24"/>
+          <p:cNvSpPr/>
+          <p:nvPr/>
+        </p:nvSpPr>
+        <p:spPr>
+          <a:xfrm>
+            <a:off x="7406640" y="3300730"/>
+            <a:ext cx="2408555" cy="645160"/>
+          </a:xfrm>
+          <a:prstGeom prst="flowChartInputOutput">
+            <a:avLst/>
+          </a:prstGeom>
+        </p:spPr>
+        <p:style>
+          <a:lnRef idx="2">
+            <a:schemeClr val="accent1">
+              <a:shade val="50000"/>
+            </a:schemeClr>
+          </a:lnRef>
+          <a:fillRef idx="1">
+            <a:schemeClr val="accent1"/>
+          </a:fillRef>
+          <a:effectRef idx="0">
+            <a:schemeClr val="accent1"/>
+          </a:effectRef>
+          <a:fontRef idx="minor">
+            <a:schemeClr val="lt1"/>
+          </a:fontRef>
+        </p:style>
+        <p:txBody>
+          <a:bodyPr rtlCol="0" anchor="ctr"/>
+          <a:p>
+            <a:pPr algn="ctr"/>
+            <a:endParaRPr lang="en-US"/>
+          </a:p>
+        </p:txBody>
+      </p:sp>
+      <p:cxnSp>
+        <p:nvCxnSpPr>
+          <p:cNvPr id="26" name="Straight Arrow Connector 25"/>
+          <p:cNvCxnSpPr/>
+          <p:nvPr/>
+        </p:nvCxnSpPr>
+        <p:spPr>
+          <a:xfrm flipV="1">
+            <a:off x="6482715" y="3615055"/>
+            <a:ext cx="1244600" cy="16510"/>
+          </a:xfrm>
+          <a:prstGeom prst="straightConnector1">
+            <a:avLst/>
+          </a:prstGeom>
+          <a:ln>
+            <a:tailEnd type="arrow" w="med" len="med"/>
+          </a:ln>
+        </p:spPr>
+        <p:style>
+          <a:lnRef idx="1">
+            <a:schemeClr val="dk1"/>
+          </a:lnRef>
+          <a:fillRef idx="0">
+            <a:schemeClr val="dk1"/>
+          </a:fillRef>
+          <a:effectRef idx="0">
+            <a:schemeClr val="dk1"/>
+          </a:effectRef>
+          <a:fontRef idx="minor">
+            <a:schemeClr val="tx1"/>
+          </a:fontRef>
+        </p:style>
+      </p:cxnSp>
+      <p:sp>
+        <p:nvSpPr>
+          <p:cNvPr id="27" name="Text Box 26"/>
+          <p:cNvSpPr txBox="1"/>
+          <p:nvPr/>
+        </p:nvSpPr>
+        <p:spPr>
+          <a:xfrm>
+            <a:off x="7981950" y="3439160"/>
+            <a:ext cx="1789430" cy="368300"/>
+          </a:xfrm>
+          <a:prstGeom prst="rect">
+            <a:avLst/>
+          </a:prstGeom>
+          <a:noFill/>
+        </p:spPr>
+        <p:txBody>
+          <a:bodyPr wrap="square" rtlCol="0">
+            <a:spAutoFit/>
+          </a:bodyPr>
+          <a:p>
+            <a:r>
+              <a:rPr lang="en-GB" altLang="en-US"/>
+              <a:t>Print Odd</a:t>
+            </a:r>
+            <a:endParaRPr lang="en-GB" altLang="en-US"/>
+          </a:p>
+        </p:txBody>
+      </p:sp>
+      <p:sp>
+        <p:nvSpPr>
+          <p:cNvPr id="29" name="Flowchart: Data 28"/>
+          <p:cNvSpPr/>
+          <p:nvPr/>
+        </p:nvSpPr>
+        <p:spPr>
+          <a:xfrm>
+            <a:off x="1239520" y="4663440"/>
+            <a:ext cx="2408555" cy="645160"/>
+          </a:xfrm>
+          <a:prstGeom prst="flowChartInputOutput">
+            <a:avLst/>
+          </a:prstGeom>
+        </p:spPr>
+        <p:style>
+          <a:lnRef idx="2">
+            <a:schemeClr val="accent1">
+              <a:shade val="50000"/>
+            </a:schemeClr>
+          </a:lnRef>
+          <a:fillRef idx="1">
+            <a:schemeClr val="accent1"/>
+          </a:fillRef>
+          <a:effectRef idx="0">
+            <a:schemeClr val="accent1"/>
+          </a:effectRef>
+          <a:fontRef idx="minor">
+            <a:schemeClr val="lt1"/>
+          </a:fontRef>
+        </p:style>
+        <p:txBody>
+          <a:bodyPr rtlCol="0" anchor="ctr"/>
+          <a:p>
+            <a:pPr algn="ctr"/>
+            <a:endParaRPr lang="en-US"/>
+          </a:p>
+        </p:txBody>
+      </p:sp>
+      <p:cxnSp>
+        <p:nvCxnSpPr>
+          <p:cNvPr id="30" name="Straight Arrow Connector 29"/>
+          <p:cNvCxnSpPr>
+            <a:endCxn id="29" idx="5"/>
+          </p:cNvCxnSpPr>
+          <p:nvPr/>
+        </p:nvCxnSpPr>
+        <p:spPr>
+          <a:xfrm flipH="1" flipV="1">
+            <a:off x="3407410" y="4986020"/>
+            <a:ext cx="1081405" cy="1905"/>
+          </a:xfrm>
+          <a:prstGeom prst="straightConnector1">
+            <a:avLst/>
+          </a:prstGeom>
+          <a:ln>
+            <a:tailEnd type="arrow" w="med" len="med"/>
+          </a:ln>
+        </p:spPr>
+        <p:style>
+          <a:lnRef idx="1">
+            <a:schemeClr val="dk1"/>
+          </a:lnRef>
+          <a:fillRef idx="0">
+            <a:schemeClr val="dk1"/>
+          </a:fillRef>
+          <a:effectRef idx="0">
+            <a:schemeClr val="dk1"/>
+          </a:effectRef>
+          <a:fontRef idx="minor">
+            <a:schemeClr val="tx1"/>
+          </a:fontRef>
+        </p:style>
+      </p:cxnSp>
+      <p:cxnSp>
+        <p:nvCxnSpPr>
+          <p:cNvPr id="31" name="Straight Arrow Connector 30"/>
+          <p:cNvCxnSpPr>
+            <a:stCxn id="15" idx="3"/>
+            <a:endCxn id="17" idx="2"/>
+          </p:cNvCxnSpPr>
+          <p:nvPr/>
+        </p:nvCxnSpPr>
+        <p:spPr>
+          <a:xfrm>
+            <a:off x="6607175" y="4986020"/>
+            <a:ext cx="713105" cy="1270"/>
+          </a:xfrm>
+          <a:prstGeom prst="straightConnector1">
+            <a:avLst/>
+          </a:prstGeom>
+          <a:ln>
+            <a:tailEnd type="arrow" w="med" len="med"/>
+          </a:ln>
+        </p:spPr>
+        <p:style>
+          <a:lnRef idx="1">
+            <a:schemeClr val="dk1"/>
+          </a:lnRef>
+          <a:fillRef idx="0">
+            <a:schemeClr val="dk1"/>
+          </a:fillRef>
+          <a:effectRef idx="0">
+            <a:schemeClr val="dk1"/>
+          </a:effectRef>
+          <a:fontRef idx="minor">
+            <a:schemeClr val="tx1"/>
+          </a:fontRef>
+        </p:style>
+      </p:cxnSp>
+      <p:sp>
+        <p:nvSpPr>
+          <p:cNvPr id="32" name="Text Box 31"/>
+          <p:cNvSpPr txBox="1"/>
+          <p:nvPr/>
+        </p:nvSpPr>
+        <p:spPr>
+          <a:xfrm>
+            <a:off x="1549400" y="4664710"/>
+            <a:ext cx="1789430" cy="645160"/>
+          </a:xfrm>
+          <a:prstGeom prst="rect">
+            <a:avLst/>
+          </a:prstGeom>
+          <a:noFill/>
+        </p:spPr>
+        <p:txBody>
+          <a:bodyPr wrap="square" rtlCol="0">
+            <a:spAutoFit/>
+          </a:bodyPr>
+          <a:p>
+            <a:r>
+              <a:rPr lang="en-GB" altLang="en-US"/>
+              <a:t>Print Player with Even Value wins</a:t>
+            </a:r>
+            <a:endParaRPr lang="en-GB" altLang="en-US"/>
+          </a:p>
+        </p:txBody>
+      </p:sp>
+      <p:sp>
+        <p:nvSpPr>
+          <p:cNvPr id="33" name="Text Box 32"/>
+          <p:cNvSpPr txBox="1"/>
+          <p:nvPr/>
+        </p:nvSpPr>
+        <p:spPr>
+          <a:xfrm>
+            <a:off x="7496175" y="4664710"/>
+            <a:ext cx="1789430" cy="645160"/>
+          </a:xfrm>
+          <a:prstGeom prst="rect">
+            <a:avLst/>
+          </a:prstGeom>
+          <a:noFill/>
+        </p:spPr>
+        <p:txBody>
+          <a:bodyPr wrap="square" rtlCol="0">
+            <a:spAutoFit/>
+          </a:bodyPr>
+          <a:p>
+            <a:r>
+              <a:rPr lang="en-GB" altLang="en-US"/>
+              <a:t>Print Player with Odd Value wins</a:t>
+            </a:r>
+            <a:endParaRPr lang="en-GB" altLang="en-US"/>
+          </a:p>
+        </p:txBody>
+      </p:sp>
+      <p:cxnSp>
+        <p:nvCxnSpPr>
+          <p:cNvPr id="34" name="Elbow Connector 33"/>
+          <p:cNvCxnSpPr>
+            <a:stCxn id="24" idx="2"/>
+            <a:endCxn id="15" idx="0"/>
+          </p:cNvCxnSpPr>
+          <p:nvPr/>
+        </p:nvCxnSpPr>
+        <p:spPr>
+          <a:xfrm rot="5400000" flipV="1">
+            <a:off x="3980815" y="2940685"/>
+            <a:ext cx="695325" cy="2439035"/>
+          </a:xfrm>
+          <a:prstGeom prst="bentConnector3">
+            <a:avLst>
+              <a:gd name="adj1" fmla="val 50046"/>
+            </a:avLst>
+          </a:prstGeom>
+          <a:ln>
+            <a:solidFill>
+              <a:schemeClr val="tx1"/>
+            </a:solidFill>
+            <a:tailEnd type="arrow"/>
+          </a:ln>
+        </p:spPr>
+        <p:style>
+          <a:lnRef idx="1">
+            <a:schemeClr val="accent1"/>
+          </a:lnRef>
+          <a:fillRef idx="0">
+            <a:schemeClr val="accent1"/>
+          </a:fillRef>
+          <a:effectRef idx="0">
+            <a:schemeClr val="accent1"/>
+          </a:effectRef>
+          <a:fontRef idx="minor">
+            <a:schemeClr val="tx1"/>
+          </a:fontRef>
+        </p:style>
+      </p:cxnSp>
+      <p:cxnSp>
+        <p:nvCxnSpPr>
+          <p:cNvPr id="35" name="Elbow Connector 34"/>
+          <p:cNvCxnSpPr>
+            <a:endCxn id="15" idx="0"/>
+          </p:cNvCxnSpPr>
+          <p:nvPr/>
+        </p:nvCxnSpPr>
+        <p:spPr>
+          <a:xfrm rot="10800000" flipV="1">
+            <a:off x="5547360" y="4173220"/>
+            <a:ext cx="3195955" cy="335280"/>
+          </a:xfrm>
+          <a:prstGeom prst="bentConnector2">
+            <a:avLst/>
+          </a:prstGeom>
+          <a:ln>
+            <a:solidFill>
+              <a:schemeClr val="tx1"/>
+            </a:solidFill>
+            <a:tailEnd type="arrow"/>
+          </a:ln>
+        </p:spPr>
+        <p:style>
+          <a:lnRef idx="1">
+            <a:schemeClr val="accent1"/>
+          </a:lnRef>
+          <a:fillRef idx="0">
+            <a:schemeClr val="accent1"/>
+          </a:fillRef>
+          <a:effectRef idx="0">
+            <a:schemeClr val="accent1"/>
+          </a:effectRef>
+          <a:fontRef idx="minor">
+            <a:schemeClr val="tx1"/>
+          </a:fontRef>
+        </p:style>
+      </p:cxnSp>
+      <p:cxnSp>
+        <p:nvCxnSpPr>
+          <p:cNvPr id="36" name="Straight Connector 35"/>
+          <p:cNvCxnSpPr/>
+          <p:nvPr/>
+        </p:nvCxnSpPr>
+        <p:spPr>
+          <a:xfrm flipV="1">
+            <a:off x="8715375" y="3915410"/>
+            <a:ext cx="14605" cy="257810"/>
+          </a:xfrm>
+          <a:prstGeom prst="line">
+            <a:avLst/>
+          </a:prstGeom>
+          <a:ln>
+            <a:solidFill>
+              <a:schemeClr val="tx1"/>
+            </a:solidFill>
+          </a:ln>
+        </p:spPr>
+        <p:style>
+          <a:lnRef idx="1">
+            <a:schemeClr val="accent1"/>
+          </a:lnRef>
+          <a:fillRef idx="0">
+            <a:schemeClr val="accent1"/>
+          </a:fillRef>
+          <a:effectRef idx="0">
+            <a:schemeClr val="accent1"/>
+          </a:effectRef>
+          <a:fontRef idx="minor">
+            <a:schemeClr val="tx1"/>
+          </a:fontRef>
+        </p:style>
+      </p:cxnSp>
+      <p:cxnSp>
+        <p:nvCxnSpPr>
+          <p:cNvPr id="37" name="Elbow Connector 36"/>
+          <p:cNvCxnSpPr>
+            <a:stCxn id="32" idx="2"/>
+            <a:endCxn id="16" idx="1"/>
+          </p:cNvCxnSpPr>
+          <p:nvPr/>
+        </p:nvCxnSpPr>
+        <p:spPr>
+          <a:xfrm rot="5400000" flipV="1">
+            <a:off x="3056890" y="4696460"/>
+            <a:ext cx="691515" cy="1917065"/>
+          </a:xfrm>
+          <a:prstGeom prst="bentConnector2">
+            <a:avLst/>
+          </a:prstGeom>
+          <a:ln>
+            <a:solidFill>
+              <a:schemeClr val="tx1"/>
+            </a:solidFill>
+            <a:tailEnd type="arrow"/>
+          </a:ln>
+        </p:spPr>
+        <p:style>
+          <a:lnRef idx="1">
+            <a:schemeClr val="accent1"/>
+          </a:lnRef>
+          <a:fillRef idx="0">
+            <a:schemeClr val="accent1"/>
+          </a:fillRef>
+          <a:effectRef idx="0">
+            <a:schemeClr val="accent1"/>
+          </a:effectRef>
+          <a:fontRef idx="minor">
+            <a:schemeClr val="tx1"/>
+          </a:fontRef>
+        </p:style>
+      </p:cxnSp>
+      <p:cxnSp>
+        <p:nvCxnSpPr>
+          <p:cNvPr id="38" name="Elbow Connector 37"/>
+          <p:cNvCxnSpPr>
+            <a:stCxn id="33" idx="2"/>
+            <a:endCxn id="16" idx="3"/>
+          </p:cNvCxnSpPr>
+          <p:nvPr/>
+        </p:nvCxnSpPr>
+        <p:spPr>
+          <a:xfrm rot="5400000">
+            <a:off x="7044055" y="4653915"/>
+            <a:ext cx="691515" cy="2002155"/>
+          </a:xfrm>
+          <a:prstGeom prst="bentConnector2">
+            <a:avLst/>
+          </a:prstGeom>
+          <a:ln>
+            <a:solidFill>
+              <a:schemeClr val="tx1"/>
+            </a:solidFill>
+            <a:tailEnd type="arrow"/>
+          </a:ln>
+        </p:spPr>
+        <p:style>
+          <a:lnRef idx="1">
+            <a:schemeClr val="accent1"/>
+          </a:lnRef>
+          <a:fillRef idx="0">
+            <a:schemeClr val="accent1"/>
+          </a:fillRef>
+          <a:effectRef idx="0">
+            <a:schemeClr val="accent1"/>
+          </a:effectRef>
+          <a:fontRef idx="minor">
+            <a:schemeClr val="tx1"/>
+          </a:fontRef>
+        </p:style>
+      </p:cxnSp>
+      <p:sp>
+        <p:nvSpPr>
+          <p:cNvPr id="39" name="Text Box 38"/>
+          <p:cNvSpPr txBox="1"/>
+          <p:nvPr/>
+        </p:nvSpPr>
+        <p:spPr>
+          <a:xfrm>
+            <a:off x="4893310" y="4664710"/>
+            <a:ext cx="1775460" cy="645160"/>
+          </a:xfrm>
+          <a:prstGeom prst="rect">
+            <a:avLst/>
+          </a:prstGeom>
+          <a:noFill/>
+        </p:spPr>
+        <p:txBody>
+          <a:bodyPr wrap="square" rtlCol="0">
+            <a:spAutoFit/>
+          </a:bodyPr>
+          <a:p>
+            <a:r>
+              <a:rPr lang="en-GB" altLang="en-US"/>
+              <a:t>If s / 2 equals Even</a:t>
+            </a:r>
+            <a:endParaRPr lang="en-GB" altLang="en-US"/>
+          </a:p>
+        </p:txBody>
+      </p:sp>
+      <p:sp>
+        <p:nvSpPr>
+          <p:cNvPr id="40" name="Text Box 39"/>
+          <p:cNvSpPr txBox="1"/>
+          <p:nvPr/>
+        </p:nvSpPr>
+        <p:spPr>
+          <a:xfrm>
+            <a:off x="4829810" y="5817235"/>
+            <a:ext cx="1002030" cy="368300"/>
+          </a:xfrm>
+          <a:prstGeom prst="rect">
+            <a:avLst/>
+          </a:prstGeom>
+          <a:noFill/>
+        </p:spPr>
+        <p:txBody>
+          <a:bodyPr wrap="square" rtlCol="0">
+            <a:spAutoFit/>
+          </a:bodyPr>
+          <a:p>
+            <a:pPr algn="ctr"/>
+            <a:r>
+              <a:rPr lang="en-GB" altLang="en-US"/>
+              <a:t>End</a:t>
+            </a:r>
+            <a:endParaRPr lang="en-GB" altLang="en-US"/>
           </a:p>
         </p:txBody>
       </p:sp>
     </p:spTree>
-    <p:extLst>
-      <p:ext uri="{BB962C8B-B14F-4D97-AF65-F5344CB8AC3E}">
-        <p14:creationId xmlns:p14="http://schemas.microsoft.com/office/powerpoint/2010/main" val="1274590118"/>
-      </p:ext>
-    </p:extLst>
   </p:cSld>
   <p:clrMapOvr>
     <a:masterClrMapping/>
@@ -3591,7 +5703,7 @@
           <a:p>
             <a:r>
               <a:rPr lang="en-GB" dirty="0" smtClean="0"/>
-              <a:t>flow</a:t>
+              <a:t>Exercise 3</a:t>
             </a:r>
             <a:endParaRPr lang="en-US" dirty="0"/>
           </a:p>
@@ -3607,21 +5719,74 @@
             <p:ph idx="1"/>
           </p:nvPr>
         </p:nvSpPr>
-        <p:spPr/>
+        <p:spPr>
+          <a:xfrm>
+            <a:off x="838200" y="1905635"/>
+            <a:ext cx="10515600" cy="4351338"/>
+          </a:xfrm>
+        </p:spPr>
         <p:txBody>
           <a:bodyPr/>
           <a:lstStyle/>
           <a:p>
-            <a:endParaRPr lang="en-US"/>
+            <a:r>
+              <a:rPr lang="en-GB" altLang="en-US" b="1" i="1" u="sng"/>
+              <a:t>Pseudocode:</a:t>
+            </a:r>
+            <a:endParaRPr lang="en-GB" altLang="en-US" b="1" i="1" u="sng"/>
+          </a:p>
+          <a:p>
+            <a:r>
+              <a:rPr lang="en-GB" altLang="en-US"/>
+              <a:t>Import Pandas module form Pandas library in Python</a:t>
+            </a:r>
+            <a:endParaRPr lang="en-GB" altLang="en-US"/>
+          </a:p>
+          <a:p>
+            <a:r>
+              <a:rPr lang="en-GB" altLang="en-US"/>
+              <a:t>Assign Key values to a list</a:t>
+            </a:r>
+            <a:endParaRPr lang="en-GB" altLang="en-US"/>
+          </a:p>
+          <a:p>
+            <a:r>
+              <a:rPr lang="en-GB" altLang="en-US"/>
+              <a:t>Assign list to a dictionary</a:t>
+            </a:r>
+            <a:endParaRPr lang="en-GB" altLang="en-US"/>
+          </a:p>
+          <a:p>
+            <a:r>
+              <a:rPr lang="en-GB" altLang="en-US"/>
+              <a:t>Call dictionary </a:t>
+            </a:r>
+            <a:endParaRPr lang="en-GB" altLang="en-US"/>
+          </a:p>
+          <a:p>
+            <a:r>
+              <a:rPr lang="en-GB" altLang="en-US"/>
+              <a:t>Include Pandas.DataFrame to dictionary</a:t>
+            </a:r>
+            <a:endParaRPr lang="en-GB" altLang="en-US"/>
+          </a:p>
+          <a:p>
+            <a:r>
+              <a:rPr lang="en-GB" altLang="en-US"/>
+              <a:t>Call dictionary</a:t>
+            </a:r>
+            <a:endParaRPr lang="en-GB" altLang="en-US"/>
+          </a:p>
+          <a:p>
+            <a:r>
+              <a:rPr lang="en-GB" altLang="en-US"/>
+              <a:t>Save as an Excel file</a:t>
+            </a:r>
+            <a:endParaRPr lang="en-GB" altLang="en-US"/>
           </a:p>
         </p:txBody>
       </p:sp>
     </p:spTree>
-    <p:extLst>
-      <p:ext uri="{BB962C8B-B14F-4D97-AF65-F5344CB8AC3E}">
-        <p14:creationId xmlns:p14="http://schemas.microsoft.com/office/powerpoint/2010/main" val="4019395477"/>
-      </p:ext>
-    </p:extLst>
   </p:cSld>
   <p:clrMapOvr>
     <a:masterClrMapping/>
@@ -3656,44 +5821,944 @@
             <p:ph type="title"/>
           </p:nvPr>
         </p:nvSpPr>
-        <p:spPr/>
+        <p:spPr>
+          <a:xfrm>
+            <a:off x="0" y="0"/>
+            <a:ext cx="3888105" cy="1325880"/>
+          </a:xfrm>
+        </p:spPr>
         <p:txBody>
           <a:bodyPr/>
           <a:lstStyle/>
           <a:p>
             <a:r>
-              <a:rPr lang="en-GB" dirty="0" smtClean="0"/>
-              <a:t>Exercise 3</a:t>
-            </a:r>
-            <a:endParaRPr lang="en-US" dirty="0"/>
-          </a:p>
-        </p:txBody>
-      </p:sp>
-      <p:sp>
-        <p:nvSpPr>
-          <p:cNvPr id="3" name="Content Placeholder 2"/>
-          <p:cNvSpPr>
-            <a:spLocks noGrp="1"/>
-          </p:cNvSpPr>
-          <p:nvPr>
-            <p:ph idx="1"/>
-          </p:nvPr>
-        </p:nvSpPr>
-        <p:spPr/>
-        <p:txBody>
-          <a:bodyPr/>
-          <a:lstStyle/>
-          <a:p>
-            <a:endParaRPr lang="en-US"/>
+              <a:rPr lang="en-GB" sz="2400" dirty="0" smtClean="0"/>
+              <a:t>flowchart for Exercise 3 </a:t>
+            </a:r>
+            <a:endParaRPr lang="en-GB" sz="2400" dirty="0" smtClean="0"/>
+          </a:p>
+        </p:txBody>
+      </p:sp>
+      <p:sp>
+        <p:nvSpPr>
+          <p:cNvPr id="4" name="Flowchart: Terminator 3"/>
+          <p:cNvSpPr/>
+          <p:nvPr/>
+        </p:nvSpPr>
+        <p:spPr>
+          <a:xfrm>
+            <a:off x="4878705" y="0"/>
+            <a:ext cx="1818005" cy="830580"/>
+          </a:xfrm>
+          <a:prstGeom prst="flowChartTerminator">
+            <a:avLst/>
+          </a:prstGeom>
+          <a:solidFill>
+            <a:srgbClr val="00B050"/>
+          </a:solidFill>
+        </p:spPr>
+        <p:style>
+          <a:lnRef idx="2">
+            <a:schemeClr val="accent1">
+              <a:shade val="50000"/>
+            </a:schemeClr>
+          </a:lnRef>
+          <a:fillRef idx="1">
+            <a:schemeClr val="accent1"/>
+          </a:fillRef>
+          <a:effectRef idx="0">
+            <a:schemeClr val="accent1"/>
+          </a:effectRef>
+          <a:fontRef idx="minor">
+            <a:schemeClr val="lt1"/>
+          </a:fontRef>
+        </p:style>
+        <p:txBody>
+          <a:bodyPr rtlCol="0" anchor="ctr"/>
+          <a:p>
+            <a:pPr algn="ctr"/>
+            <a:endParaRPr lang="en-US"/>
+          </a:p>
+        </p:txBody>
+      </p:sp>
+      <p:cxnSp>
+        <p:nvCxnSpPr>
+          <p:cNvPr id="5" name="Straight Arrow Connector 4"/>
+          <p:cNvCxnSpPr>
+            <a:stCxn id="4" idx="2"/>
+          </p:cNvCxnSpPr>
+          <p:nvPr/>
+        </p:nvCxnSpPr>
+        <p:spPr>
+          <a:xfrm flipH="1">
+            <a:off x="5780405" y="830580"/>
+            <a:ext cx="7620" cy="350520"/>
+          </a:xfrm>
+          <a:prstGeom prst="straightConnector1">
+            <a:avLst/>
+          </a:prstGeom>
+          <a:ln>
+            <a:solidFill>
+              <a:schemeClr val="tx1"/>
+            </a:solidFill>
+            <a:tailEnd type="arrow"/>
+          </a:ln>
+        </p:spPr>
+        <p:style>
+          <a:lnRef idx="1">
+            <a:schemeClr val="accent1"/>
+          </a:lnRef>
+          <a:fillRef idx="0">
+            <a:schemeClr val="accent1"/>
+          </a:fillRef>
+          <a:effectRef idx="0">
+            <a:schemeClr val="accent1"/>
+          </a:effectRef>
+          <a:fontRef idx="minor">
+            <a:schemeClr val="tx1"/>
+          </a:fontRef>
+        </p:style>
+      </p:cxnSp>
+      <p:sp>
+        <p:nvSpPr>
+          <p:cNvPr id="6" name="Flowchart: Process 5"/>
+          <p:cNvSpPr/>
+          <p:nvPr/>
+        </p:nvSpPr>
+        <p:spPr>
+          <a:xfrm>
+            <a:off x="4878705" y="1181100"/>
+            <a:ext cx="1861185" cy="629920"/>
+          </a:xfrm>
+          <a:prstGeom prst="flowChartProcess">
+            <a:avLst/>
+          </a:prstGeom>
+        </p:spPr>
+        <p:style>
+          <a:lnRef idx="2">
+            <a:schemeClr val="accent4">
+              <a:shade val="50000"/>
+            </a:schemeClr>
+          </a:lnRef>
+          <a:fillRef idx="1">
+            <a:schemeClr val="accent4"/>
+          </a:fillRef>
+          <a:effectRef idx="0">
+            <a:schemeClr val="accent4"/>
+          </a:effectRef>
+          <a:fontRef idx="minor">
+            <a:schemeClr val="lt1"/>
+          </a:fontRef>
+        </p:style>
+        <p:txBody>
+          <a:bodyPr rtlCol="0" anchor="ctr"/>
+          <a:p>
+            <a:pPr algn="ctr"/>
+            <a:endParaRPr lang="en-US"/>
+          </a:p>
+        </p:txBody>
+      </p:sp>
+      <p:sp>
+        <p:nvSpPr>
+          <p:cNvPr id="7" name="Parallelogram 6"/>
+          <p:cNvSpPr/>
+          <p:nvPr/>
+        </p:nvSpPr>
+        <p:spPr>
+          <a:xfrm>
+            <a:off x="4535805" y="2161540"/>
+            <a:ext cx="2547620" cy="687705"/>
+          </a:xfrm>
+          <a:prstGeom prst="parallelogram">
+            <a:avLst/>
+          </a:prstGeom>
+        </p:spPr>
+        <p:style>
+          <a:lnRef idx="2">
+            <a:schemeClr val="accent1">
+              <a:shade val="50000"/>
+            </a:schemeClr>
+          </a:lnRef>
+          <a:fillRef idx="1">
+            <a:schemeClr val="accent1"/>
+          </a:fillRef>
+          <a:effectRef idx="0">
+            <a:schemeClr val="accent1"/>
+          </a:effectRef>
+          <a:fontRef idx="minor">
+            <a:schemeClr val="lt1"/>
+          </a:fontRef>
+        </p:style>
+        <p:txBody>
+          <a:bodyPr rtlCol="0" anchor="ctr"/>
+          <a:p>
+            <a:pPr algn="ctr"/>
+            <a:endParaRPr lang="en-US"/>
+          </a:p>
+        </p:txBody>
+      </p:sp>
+      <p:cxnSp>
+        <p:nvCxnSpPr>
+          <p:cNvPr id="8" name="Straight Arrow Connector 7"/>
+          <p:cNvCxnSpPr/>
+          <p:nvPr/>
+        </p:nvCxnSpPr>
+        <p:spPr>
+          <a:xfrm flipH="1">
+            <a:off x="5780405" y="1811020"/>
+            <a:ext cx="7620" cy="350520"/>
+          </a:xfrm>
+          <a:prstGeom prst="straightConnector1">
+            <a:avLst/>
+          </a:prstGeom>
+          <a:ln>
+            <a:solidFill>
+              <a:schemeClr val="tx1"/>
+            </a:solidFill>
+            <a:tailEnd type="arrow"/>
+          </a:ln>
+        </p:spPr>
+        <p:style>
+          <a:lnRef idx="1">
+            <a:schemeClr val="accent1"/>
+          </a:lnRef>
+          <a:fillRef idx="0">
+            <a:schemeClr val="accent1"/>
+          </a:fillRef>
+          <a:effectRef idx="0">
+            <a:schemeClr val="accent1"/>
+          </a:effectRef>
+          <a:fontRef idx="minor">
+            <a:schemeClr val="tx1"/>
+          </a:fontRef>
+        </p:style>
+      </p:cxnSp>
+      <p:sp>
+        <p:nvSpPr>
+          <p:cNvPr id="9" name="Flowchart: Process 8"/>
+          <p:cNvSpPr/>
+          <p:nvPr/>
+        </p:nvSpPr>
+        <p:spPr>
+          <a:xfrm>
+            <a:off x="8243570" y="2219325"/>
+            <a:ext cx="2546985" cy="629920"/>
+          </a:xfrm>
+          <a:prstGeom prst="flowChartProcess">
+            <a:avLst/>
+          </a:prstGeom>
+          <a:solidFill>
+            <a:schemeClr val="accent2"/>
+          </a:solidFill>
+        </p:spPr>
+        <p:style>
+          <a:lnRef idx="2">
+            <a:schemeClr val="accent4">
+              <a:shade val="50000"/>
+            </a:schemeClr>
+          </a:lnRef>
+          <a:fillRef idx="1">
+            <a:schemeClr val="accent4"/>
+          </a:fillRef>
+          <a:effectRef idx="0">
+            <a:schemeClr val="accent4"/>
+          </a:effectRef>
+          <a:fontRef idx="minor">
+            <a:schemeClr val="lt1"/>
+          </a:fontRef>
+        </p:style>
+        <p:txBody>
+          <a:bodyPr rtlCol="0" anchor="ctr"/>
+          <a:p>
+            <a:pPr algn="ctr"/>
+            <a:endParaRPr lang="en-US"/>
+          </a:p>
+        </p:txBody>
+      </p:sp>
+      <p:cxnSp>
+        <p:nvCxnSpPr>
+          <p:cNvPr id="10" name="Straight Arrow Connector 9"/>
+          <p:cNvCxnSpPr>
+            <a:endCxn id="9" idx="1"/>
+          </p:cNvCxnSpPr>
+          <p:nvPr/>
+        </p:nvCxnSpPr>
+        <p:spPr>
+          <a:xfrm flipV="1">
+            <a:off x="6997700" y="2534285"/>
+            <a:ext cx="1245870" cy="6985"/>
+          </a:xfrm>
+          <a:prstGeom prst="straightConnector1">
+            <a:avLst/>
+          </a:prstGeom>
+          <a:ln>
+            <a:solidFill>
+              <a:schemeClr val="tx1"/>
+            </a:solidFill>
+            <a:tailEnd type="arrow"/>
+          </a:ln>
+        </p:spPr>
+        <p:style>
+          <a:lnRef idx="1">
+            <a:schemeClr val="accent1"/>
+          </a:lnRef>
+          <a:fillRef idx="0">
+            <a:schemeClr val="accent1"/>
+          </a:fillRef>
+          <a:effectRef idx="0">
+            <a:schemeClr val="accent1"/>
+          </a:effectRef>
+          <a:fontRef idx="minor">
+            <a:schemeClr val="tx1"/>
+          </a:fontRef>
+        </p:style>
+      </p:cxnSp>
+      <p:sp>
+        <p:nvSpPr>
+          <p:cNvPr id="11" name="Flowchart: Process 10"/>
+          <p:cNvSpPr/>
+          <p:nvPr/>
+        </p:nvSpPr>
+        <p:spPr>
+          <a:xfrm>
+            <a:off x="8329295" y="3199765"/>
+            <a:ext cx="2376170" cy="629920"/>
+          </a:xfrm>
+          <a:prstGeom prst="flowChartProcess">
+            <a:avLst/>
+          </a:prstGeom>
+        </p:spPr>
+        <p:style>
+          <a:lnRef idx="2">
+            <a:schemeClr val="accent4">
+              <a:shade val="50000"/>
+            </a:schemeClr>
+          </a:lnRef>
+          <a:fillRef idx="1">
+            <a:schemeClr val="accent4"/>
+          </a:fillRef>
+          <a:effectRef idx="0">
+            <a:schemeClr val="accent4"/>
+          </a:effectRef>
+          <a:fontRef idx="minor">
+            <a:schemeClr val="lt1"/>
+          </a:fontRef>
+        </p:style>
+        <p:txBody>
+          <a:bodyPr rtlCol="0" anchor="ctr"/>
+          <a:p>
+            <a:pPr algn="ctr"/>
+            <a:endParaRPr lang="en-US"/>
+          </a:p>
+        </p:txBody>
+      </p:sp>
+      <p:cxnSp>
+        <p:nvCxnSpPr>
+          <p:cNvPr id="12" name="Straight Arrow Connector 11"/>
+          <p:cNvCxnSpPr/>
+          <p:nvPr/>
+        </p:nvCxnSpPr>
+        <p:spPr>
+          <a:xfrm flipH="1">
+            <a:off x="9513570" y="2849245"/>
+            <a:ext cx="7620" cy="350520"/>
+          </a:xfrm>
+          <a:prstGeom prst="straightConnector1">
+            <a:avLst/>
+          </a:prstGeom>
+          <a:ln>
+            <a:solidFill>
+              <a:schemeClr val="tx1"/>
+            </a:solidFill>
+            <a:tailEnd type="arrow"/>
+          </a:ln>
+        </p:spPr>
+        <p:style>
+          <a:lnRef idx="1">
+            <a:schemeClr val="accent1"/>
+          </a:lnRef>
+          <a:fillRef idx="0">
+            <a:schemeClr val="accent1"/>
+          </a:fillRef>
+          <a:effectRef idx="0">
+            <a:schemeClr val="accent1"/>
+          </a:effectRef>
+          <a:fontRef idx="minor">
+            <a:schemeClr val="tx1"/>
+          </a:fontRef>
+        </p:style>
+      </p:cxnSp>
+      <p:sp>
+        <p:nvSpPr>
+          <p:cNvPr id="13" name="Flowchart: Process 12"/>
+          <p:cNvSpPr/>
+          <p:nvPr/>
+        </p:nvSpPr>
+        <p:spPr>
+          <a:xfrm>
+            <a:off x="8243570" y="4157345"/>
+            <a:ext cx="2461895" cy="629920"/>
+          </a:xfrm>
+          <a:prstGeom prst="flowChartProcess">
+            <a:avLst/>
+          </a:prstGeom>
+        </p:spPr>
+        <p:style>
+          <a:lnRef idx="2">
+            <a:schemeClr val="accent4">
+              <a:shade val="50000"/>
+            </a:schemeClr>
+          </a:lnRef>
+          <a:fillRef idx="1">
+            <a:schemeClr val="accent4"/>
+          </a:fillRef>
+          <a:effectRef idx="0">
+            <a:schemeClr val="accent4"/>
+          </a:effectRef>
+          <a:fontRef idx="minor">
+            <a:schemeClr val="lt1"/>
+          </a:fontRef>
+        </p:style>
+        <p:txBody>
+          <a:bodyPr rtlCol="0" anchor="ctr"/>
+          <a:p>
+            <a:pPr algn="ctr"/>
+            <a:endParaRPr lang="en-US"/>
+          </a:p>
+        </p:txBody>
+      </p:sp>
+      <p:cxnSp>
+        <p:nvCxnSpPr>
+          <p:cNvPr id="14" name="Straight Arrow Connector 13"/>
+          <p:cNvCxnSpPr/>
+          <p:nvPr/>
+        </p:nvCxnSpPr>
+        <p:spPr>
+          <a:xfrm flipH="1">
+            <a:off x="9505950" y="3806825"/>
+            <a:ext cx="7620" cy="350520"/>
+          </a:xfrm>
+          <a:prstGeom prst="straightConnector1">
+            <a:avLst/>
+          </a:prstGeom>
+          <a:ln>
+            <a:solidFill>
+              <a:schemeClr val="tx1"/>
+            </a:solidFill>
+            <a:tailEnd type="arrow"/>
+          </a:ln>
+        </p:spPr>
+        <p:style>
+          <a:lnRef idx="1">
+            <a:schemeClr val="accent1"/>
+          </a:lnRef>
+          <a:fillRef idx="0">
+            <a:schemeClr val="accent1"/>
+          </a:fillRef>
+          <a:effectRef idx="0">
+            <a:schemeClr val="accent1"/>
+          </a:effectRef>
+          <a:fontRef idx="minor">
+            <a:schemeClr val="tx1"/>
+          </a:fontRef>
+        </p:style>
+      </p:cxnSp>
+      <p:cxnSp>
+        <p:nvCxnSpPr>
+          <p:cNvPr id="15" name="Straight Arrow Connector 14"/>
+          <p:cNvCxnSpPr/>
+          <p:nvPr/>
+        </p:nvCxnSpPr>
+        <p:spPr>
+          <a:xfrm flipH="1">
+            <a:off x="6842125" y="4465955"/>
+            <a:ext cx="1401445" cy="12700"/>
+          </a:xfrm>
+          <a:prstGeom prst="straightConnector1">
+            <a:avLst/>
+          </a:prstGeom>
+          <a:ln>
+            <a:solidFill>
+              <a:schemeClr val="tx1"/>
+            </a:solidFill>
+            <a:tailEnd type="arrow"/>
+          </a:ln>
+        </p:spPr>
+        <p:style>
+          <a:lnRef idx="1">
+            <a:schemeClr val="accent1"/>
+          </a:lnRef>
+          <a:fillRef idx="0">
+            <a:schemeClr val="accent1"/>
+          </a:fillRef>
+          <a:effectRef idx="0">
+            <a:schemeClr val="accent1"/>
+          </a:effectRef>
+          <a:fontRef idx="minor">
+            <a:schemeClr val="tx1"/>
+          </a:fontRef>
+        </p:style>
+      </p:cxnSp>
+      <p:sp>
+        <p:nvSpPr>
+          <p:cNvPr id="16" name="Flowchart: Process 15"/>
+          <p:cNvSpPr/>
+          <p:nvPr/>
+        </p:nvSpPr>
+        <p:spPr>
+          <a:xfrm>
+            <a:off x="4380230" y="4157345"/>
+            <a:ext cx="2461895" cy="629920"/>
+          </a:xfrm>
+          <a:prstGeom prst="flowChartProcess">
+            <a:avLst/>
+          </a:prstGeom>
+        </p:spPr>
+        <p:style>
+          <a:lnRef idx="2">
+            <a:schemeClr val="accent4">
+              <a:shade val="50000"/>
+            </a:schemeClr>
+          </a:lnRef>
+          <a:fillRef idx="1">
+            <a:schemeClr val="accent4"/>
+          </a:fillRef>
+          <a:effectRef idx="0">
+            <a:schemeClr val="accent4"/>
+          </a:effectRef>
+          <a:fontRef idx="minor">
+            <a:schemeClr val="lt1"/>
+          </a:fontRef>
+        </p:style>
+        <p:txBody>
+          <a:bodyPr rtlCol="0" anchor="ctr"/>
+          <a:p>
+            <a:pPr algn="ctr"/>
+            <a:endParaRPr lang="en-US"/>
+          </a:p>
+        </p:txBody>
+      </p:sp>
+      <p:sp>
+        <p:nvSpPr>
+          <p:cNvPr id="17" name="Flowchart: Process 16"/>
+          <p:cNvSpPr/>
+          <p:nvPr/>
+        </p:nvSpPr>
+        <p:spPr>
+          <a:xfrm>
+            <a:off x="4380230" y="5137785"/>
+            <a:ext cx="2546985" cy="629920"/>
+          </a:xfrm>
+          <a:prstGeom prst="flowChartProcess">
+            <a:avLst/>
+          </a:prstGeom>
+          <a:solidFill>
+            <a:schemeClr val="accent2"/>
+          </a:solidFill>
+        </p:spPr>
+        <p:style>
+          <a:lnRef idx="2">
+            <a:schemeClr val="accent4">
+              <a:shade val="50000"/>
+            </a:schemeClr>
+          </a:lnRef>
+          <a:fillRef idx="1">
+            <a:schemeClr val="accent4"/>
+          </a:fillRef>
+          <a:effectRef idx="0">
+            <a:schemeClr val="accent4"/>
+          </a:effectRef>
+          <a:fontRef idx="minor">
+            <a:schemeClr val="lt1"/>
+          </a:fontRef>
+        </p:style>
+        <p:txBody>
+          <a:bodyPr rtlCol="0" anchor="ctr"/>
+          <a:p>
+            <a:pPr algn="ctr"/>
+            <a:endParaRPr lang="en-US"/>
+          </a:p>
+        </p:txBody>
+      </p:sp>
+      <p:cxnSp>
+        <p:nvCxnSpPr>
+          <p:cNvPr id="18" name="Straight Arrow Connector 17"/>
+          <p:cNvCxnSpPr/>
+          <p:nvPr/>
+        </p:nvCxnSpPr>
+        <p:spPr>
+          <a:xfrm flipH="1">
+            <a:off x="5607685" y="4787265"/>
+            <a:ext cx="7620" cy="350520"/>
+          </a:xfrm>
+          <a:prstGeom prst="straightConnector1">
+            <a:avLst/>
+          </a:prstGeom>
+          <a:ln>
+            <a:solidFill>
+              <a:schemeClr val="tx1"/>
+            </a:solidFill>
+            <a:tailEnd type="arrow"/>
+          </a:ln>
+        </p:spPr>
+        <p:style>
+          <a:lnRef idx="1">
+            <a:schemeClr val="accent1"/>
+          </a:lnRef>
+          <a:fillRef idx="0">
+            <a:schemeClr val="accent1"/>
+          </a:fillRef>
+          <a:effectRef idx="0">
+            <a:schemeClr val="accent1"/>
+          </a:effectRef>
+          <a:fontRef idx="minor">
+            <a:schemeClr val="tx1"/>
+          </a:fontRef>
+        </p:style>
+      </p:cxnSp>
+      <p:cxnSp>
+        <p:nvCxnSpPr>
+          <p:cNvPr id="19" name="Straight Arrow Connector 18"/>
+          <p:cNvCxnSpPr/>
+          <p:nvPr/>
+        </p:nvCxnSpPr>
+        <p:spPr>
+          <a:xfrm>
+            <a:off x="6927215" y="5455920"/>
+            <a:ext cx="786130" cy="5715"/>
+          </a:xfrm>
+          <a:prstGeom prst="straightConnector1">
+            <a:avLst/>
+          </a:prstGeom>
+          <a:ln>
+            <a:solidFill>
+              <a:schemeClr val="tx1"/>
+            </a:solidFill>
+            <a:tailEnd type="arrow"/>
+          </a:ln>
+        </p:spPr>
+        <p:style>
+          <a:lnRef idx="1">
+            <a:schemeClr val="accent1"/>
+          </a:lnRef>
+          <a:fillRef idx="0">
+            <a:schemeClr val="accent1"/>
+          </a:fillRef>
+          <a:effectRef idx="0">
+            <a:schemeClr val="accent1"/>
+          </a:effectRef>
+          <a:fontRef idx="minor">
+            <a:schemeClr val="tx1"/>
+          </a:fontRef>
+        </p:style>
+      </p:cxnSp>
+      <p:sp>
+        <p:nvSpPr>
+          <p:cNvPr id="20" name="Flowchart: Terminator 19"/>
+          <p:cNvSpPr/>
+          <p:nvPr/>
+        </p:nvSpPr>
+        <p:spPr>
+          <a:xfrm>
+            <a:off x="7687945" y="5137785"/>
+            <a:ext cx="1818005" cy="830580"/>
+          </a:xfrm>
+          <a:prstGeom prst="flowChartTerminator">
+            <a:avLst/>
+          </a:prstGeom>
+          <a:solidFill>
+            <a:srgbClr val="00B050"/>
+          </a:solidFill>
+        </p:spPr>
+        <p:style>
+          <a:lnRef idx="2">
+            <a:schemeClr val="accent1">
+              <a:shade val="50000"/>
+            </a:schemeClr>
+          </a:lnRef>
+          <a:fillRef idx="1">
+            <a:schemeClr val="accent1"/>
+          </a:fillRef>
+          <a:effectRef idx="0">
+            <a:schemeClr val="accent1"/>
+          </a:effectRef>
+          <a:fontRef idx="minor">
+            <a:schemeClr val="lt1"/>
+          </a:fontRef>
+        </p:style>
+        <p:txBody>
+          <a:bodyPr rtlCol="0" anchor="ctr"/>
+          <a:p>
+            <a:pPr algn="ctr"/>
+            <a:endParaRPr lang="en-US"/>
+          </a:p>
+        </p:txBody>
+      </p:sp>
+      <p:sp>
+        <p:nvSpPr>
+          <p:cNvPr id="21" name="Text Box 20"/>
+          <p:cNvSpPr txBox="1"/>
+          <p:nvPr/>
+        </p:nvSpPr>
+        <p:spPr>
+          <a:xfrm>
+            <a:off x="5264785" y="236220"/>
+            <a:ext cx="1174115" cy="368300"/>
+          </a:xfrm>
+          <a:prstGeom prst="rect">
+            <a:avLst/>
+          </a:prstGeom>
+          <a:noFill/>
+        </p:spPr>
+        <p:txBody>
+          <a:bodyPr wrap="square" rtlCol="0">
+            <a:spAutoFit/>
+          </a:bodyPr>
+          <a:p>
+            <a:pPr algn="ctr"/>
+            <a:r>
+              <a:rPr lang="en-GB" altLang="en-US"/>
+              <a:t>Start</a:t>
+            </a:r>
+            <a:endParaRPr lang="en-GB" altLang="en-US"/>
+          </a:p>
+        </p:txBody>
+      </p:sp>
+      <p:sp>
+        <p:nvSpPr>
+          <p:cNvPr id="22" name="Text Box 21"/>
+          <p:cNvSpPr txBox="1"/>
+          <p:nvPr/>
+        </p:nvSpPr>
+        <p:spPr>
+          <a:xfrm>
+            <a:off x="4549140" y="1311910"/>
+            <a:ext cx="2605405" cy="368300"/>
+          </a:xfrm>
+          <a:prstGeom prst="rect">
+            <a:avLst/>
+          </a:prstGeom>
+          <a:noFill/>
+        </p:spPr>
+        <p:txBody>
+          <a:bodyPr wrap="square" rtlCol="0">
+            <a:spAutoFit/>
+          </a:bodyPr>
+          <a:p>
+            <a:pPr algn="ctr"/>
+            <a:r>
+              <a:rPr lang="en-GB" altLang="en-US"/>
+              <a:t>Import Pandas</a:t>
+            </a:r>
+            <a:endParaRPr lang="en-GB" altLang="en-US"/>
+          </a:p>
+        </p:txBody>
+      </p:sp>
+      <p:sp>
+        <p:nvSpPr>
+          <p:cNvPr id="23" name="Text Box 22"/>
+          <p:cNvSpPr txBox="1"/>
+          <p:nvPr/>
+        </p:nvSpPr>
+        <p:spPr>
+          <a:xfrm>
+            <a:off x="4835525" y="2312035"/>
+            <a:ext cx="2147570" cy="368300"/>
+          </a:xfrm>
+          <a:prstGeom prst="rect">
+            <a:avLst/>
+          </a:prstGeom>
+          <a:noFill/>
+        </p:spPr>
+        <p:txBody>
+          <a:bodyPr wrap="square" rtlCol="0">
+            <a:spAutoFit/>
+          </a:bodyPr>
+          <a:p>
+            <a:r>
+              <a:rPr lang="en-GB" altLang="en-US"/>
+              <a:t>Assign Key Values</a:t>
+            </a:r>
+            <a:endParaRPr lang="en-GB" altLang="en-US"/>
+          </a:p>
+        </p:txBody>
+      </p:sp>
+      <p:sp>
+        <p:nvSpPr>
+          <p:cNvPr id="24" name="Text Box 23"/>
+          <p:cNvSpPr txBox="1"/>
+          <p:nvPr/>
+        </p:nvSpPr>
+        <p:spPr>
+          <a:xfrm>
+            <a:off x="8400415" y="2353310"/>
+            <a:ext cx="2534285" cy="368300"/>
+          </a:xfrm>
+          <a:prstGeom prst="rect">
+            <a:avLst/>
+          </a:prstGeom>
+          <a:noFill/>
+        </p:spPr>
+        <p:txBody>
+          <a:bodyPr wrap="square" rtlCol="0">
+            <a:spAutoFit/>
+          </a:bodyPr>
+          <a:p>
+            <a:r>
+              <a:rPr lang="en-GB" altLang="en-US"/>
+              <a:t>Assign list to Dictionary</a:t>
+            </a:r>
+            <a:endParaRPr lang="en-GB" altLang="en-US"/>
+          </a:p>
+        </p:txBody>
+      </p:sp>
+      <p:sp>
+        <p:nvSpPr>
+          <p:cNvPr id="25" name="Text Box 24"/>
+          <p:cNvSpPr txBox="1"/>
+          <p:nvPr/>
+        </p:nvSpPr>
+        <p:spPr>
+          <a:xfrm>
+            <a:off x="8601075" y="3385820"/>
+            <a:ext cx="1660525" cy="368300"/>
+          </a:xfrm>
+          <a:prstGeom prst="rect">
+            <a:avLst/>
+          </a:prstGeom>
+          <a:noFill/>
+        </p:spPr>
+        <p:txBody>
+          <a:bodyPr wrap="square" rtlCol="0">
+            <a:spAutoFit/>
+          </a:bodyPr>
+          <a:p>
+            <a:r>
+              <a:rPr lang="en-GB" altLang="en-US"/>
+              <a:t>Call Dictionary</a:t>
+            </a:r>
+            <a:endParaRPr lang="en-GB" altLang="en-US"/>
+          </a:p>
+        </p:txBody>
+      </p:sp>
+      <p:sp>
+        <p:nvSpPr>
+          <p:cNvPr id="26" name="Text Box 25"/>
+          <p:cNvSpPr txBox="1"/>
+          <p:nvPr/>
+        </p:nvSpPr>
+        <p:spPr>
+          <a:xfrm>
+            <a:off x="8423275" y="4318635"/>
+            <a:ext cx="2188845" cy="306705"/>
+          </a:xfrm>
+          <a:prstGeom prst="rect">
+            <a:avLst/>
+          </a:prstGeom>
+          <a:noFill/>
+        </p:spPr>
+        <p:txBody>
+          <a:bodyPr wrap="square" rtlCol="0">
+            <a:spAutoFit/>
+          </a:bodyPr>
+          <a:p>
+            <a:r>
+              <a:rPr lang="en-GB" altLang="en-US" sz="1400"/>
+              <a:t>Include Pandas.DataFrame</a:t>
+            </a:r>
+            <a:endParaRPr lang="en-GB" altLang="en-US" sz="1400"/>
+          </a:p>
+        </p:txBody>
+      </p:sp>
+      <p:sp>
+        <p:nvSpPr>
+          <p:cNvPr id="27" name="Text Box 26"/>
+          <p:cNvSpPr txBox="1"/>
+          <p:nvPr/>
+        </p:nvSpPr>
+        <p:spPr>
+          <a:xfrm>
+            <a:off x="4823460" y="4257040"/>
+            <a:ext cx="1660525" cy="368300"/>
+          </a:xfrm>
+          <a:prstGeom prst="rect">
+            <a:avLst/>
+          </a:prstGeom>
+          <a:noFill/>
+        </p:spPr>
+        <p:txBody>
+          <a:bodyPr wrap="square" rtlCol="0">
+            <a:spAutoFit/>
+          </a:bodyPr>
+          <a:p>
+            <a:r>
+              <a:rPr lang="en-GB" altLang="en-US"/>
+              <a:t>Call Dictionary</a:t>
+            </a:r>
+            <a:endParaRPr lang="en-GB" altLang="en-US"/>
+          </a:p>
+        </p:txBody>
+      </p:sp>
+      <p:sp>
+        <p:nvSpPr>
+          <p:cNvPr id="28" name="Text Box 27"/>
+          <p:cNvSpPr txBox="1"/>
+          <p:nvPr/>
+        </p:nvSpPr>
+        <p:spPr>
+          <a:xfrm>
+            <a:off x="4549140" y="5268595"/>
+            <a:ext cx="2047240" cy="368300"/>
+          </a:xfrm>
+          <a:prstGeom prst="rect">
+            <a:avLst/>
+          </a:prstGeom>
+          <a:noFill/>
+        </p:spPr>
+        <p:txBody>
+          <a:bodyPr wrap="square" rtlCol="0">
+            <a:spAutoFit/>
+          </a:bodyPr>
+          <a:p>
+            <a:r>
+              <a:rPr lang="en-GB" altLang="en-US"/>
+              <a:t>Save as an excel file</a:t>
+            </a:r>
+            <a:endParaRPr lang="en-GB" altLang="en-US"/>
+          </a:p>
+        </p:txBody>
+      </p:sp>
+      <p:sp>
+        <p:nvSpPr>
+          <p:cNvPr id="29" name="Text Box 28"/>
+          <p:cNvSpPr txBox="1"/>
+          <p:nvPr/>
+        </p:nvSpPr>
+        <p:spPr>
+          <a:xfrm>
+            <a:off x="8009890" y="5399405"/>
+            <a:ext cx="1174115" cy="368300"/>
+          </a:xfrm>
+          <a:prstGeom prst="rect">
+            <a:avLst/>
+          </a:prstGeom>
+          <a:noFill/>
+        </p:spPr>
+        <p:txBody>
+          <a:bodyPr wrap="square" rtlCol="0">
+            <a:spAutoFit/>
+          </a:bodyPr>
+          <a:p>
+            <a:pPr algn="ctr"/>
+            <a:r>
+              <a:rPr lang="en-GB" altLang="en-US"/>
+              <a:t>End</a:t>
+            </a:r>
+            <a:endParaRPr lang="en-GB" altLang="en-US"/>
           </a:p>
         </p:txBody>
       </p:sp>
     </p:spTree>
-    <p:extLst>
-      <p:ext uri="{BB962C8B-B14F-4D97-AF65-F5344CB8AC3E}">
-        <p14:creationId xmlns:p14="http://schemas.microsoft.com/office/powerpoint/2010/main" val="383972799"/>
-      </p:ext>
-    </p:extLst>
   </p:cSld>
   <p:clrMapOvr>
     <a:masterClrMapping/>
@@ -3735,7 +6800,7 @@
           <a:p>
             <a:r>
               <a:rPr lang="en-GB" dirty="0" smtClean="0"/>
-              <a:t>flowchart</a:t>
+              <a:t>Exercise 4</a:t>
             </a:r>
             <a:endParaRPr lang="en-US" dirty="0"/>
           </a:p>
@@ -3756,16 +6821,46 @@
           <a:bodyPr/>
           <a:lstStyle/>
           <a:p>
-            <a:endParaRPr lang="en-US"/>
+            <a:r>
+              <a:rPr lang="en-GB" altLang="en-US" b="1" i="1" u="sng" dirty="0"/>
+              <a:t>Pseudocode:</a:t>
+            </a:r>
+            <a:endParaRPr lang="en-GB" altLang="en-US" b="1" i="1" u="sng" dirty="0"/>
+          </a:p>
+          <a:p>
+            <a:r>
+              <a:rPr lang="en-GB" altLang="en-US" dirty="0"/>
+              <a:t>Input distance in km</a:t>
+            </a:r>
+            <a:endParaRPr lang="en-GB" altLang="en-US" dirty="0"/>
+          </a:p>
+          <a:p>
+            <a:r>
+              <a:rPr lang="en-GB" altLang="en-US" dirty="0"/>
+              <a:t>Input time in hr </a:t>
+            </a:r>
+            <a:endParaRPr lang="en-GB" altLang="en-US" dirty="0"/>
+          </a:p>
+          <a:p>
+            <a:r>
+              <a:rPr lang="en-GB" altLang="en-US" dirty="0"/>
+              <a:t>Compute speed = distance / time </a:t>
+            </a:r>
+            <a:endParaRPr lang="en-GB" altLang="en-US" dirty="0"/>
+          </a:p>
+          <a:p>
+            <a:r>
+              <a:rPr lang="en-GB" altLang="en-US" dirty="0"/>
+              <a:t>Print ‘The object is travelling in’, speed, ‘Miles per hour’</a:t>
+            </a:r>
+            <a:endParaRPr lang="en-GB" altLang="en-US" dirty="0"/>
+          </a:p>
+          <a:p>
+            <a:endParaRPr lang="en-GB" altLang="en-US" dirty="0"/>
           </a:p>
         </p:txBody>
       </p:sp>
     </p:spTree>
-    <p:extLst>
-      <p:ext uri="{BB962C8B-B14F-4D97-AF65-F5344CB8AC3E}">
-        <p14:creationId xmlns:p14="http://schemas.microsoft.com/office/powerpoint/2010/main" val="952805518"/>
-      </p:ext>
-    </p:extLst>
   </p:cSld>
   <p:clrMapOvr>
     <a:masterClrMapping/>
@@ -3790,6 +6885,42 @@
           <a:chExt cx="0" cy="0"/>
         </a:xfrm>
       </p:grpSpPr>
+      <p:cxnSp>
+        <p:nvCxnSpPr>
+          <p:cNvPr id="12" name="Straight Arrow Connector 11"/>
+          <p:cNvCxnSpPr/>
+          <p:nvPr/>
+        </p:nvCxnSpPr>
+        <p:spPr>
+          <a:xfrm>
+            <a:off x="6511925" y="4159250"/>
+            <a:ext cx="8255" cy="505460"/>
+          </a:xfrm>
+          <a:prstGeom prst="straightConnector1">
+            <a:avLst/>
+          </a:prstGeom>
+          <a:ln>
+            <a:solidFill>
+              <a:schemeClr val="tx1"/>
+            </a:solidFill>
+            <a:tailEnd type="arrow"/>
+          </a:ln>
+        </p:spPr>
+        <p:style>
+          <a:lnRef idx="1">
+            <a:schemeClr val="accent1"/>
+          </a:lnRef>
+          <a:fillRef idx="0">
+            <a:schemeClr val="accent1"/>
+          </a:fillRef>
+          <a:effectRef idx="0">
+            <a:schemeClr val="accent1"/>
+          </a:effectRef>
+          <a:fontRef idx="minor">
+            <a:schemeClr val="tx1"/>
+          </a:fontRef>
+        </p:style>
+      </p:cxnSp>
       <p:sp>
         <p:nvSpPr>
           <p:cNvPr id="2" name="Title 1"/>
@@ -3800,44 +6931,591 @@
             <p:ph type="title"/>
           </p:nvPr>
         </p:nvSpPr>
-        <p:spPr/>
+        <p:spPr>
+          <a:xfrm>
+            <a:off x="838200" y="365125"/>
+            <a:ext cx="3386455" cy="996950"/>
+          </a:xfrm>
+        </p:spPr>
         <p:txBody>
           <a:bodyPr/>
           <a:lstStyle/>
           <a:p>
             <a:r>
-              <a:rPr lang="en-GB" dirty="0" smtClean="0"/>
-              <a:t>Exercise 4</a:t>
-            </a:r>
-            <a:endParaRPr lang="en-US" dirty="0"/>
-          </a:p>
-        </p:txBody>
-      </p:sp>
-      <p:sp>
-        <p:nvSpPr>
-          <p:cNvPr id="3" name="Content Placeholder 2"/>
-          <p:cNvSpPr>
-            <a:spLocks noGrp="1"/>
-          </p:cNvSpPr>
-          <p:nvPr>
-            <p:ph idx="1"/>
-          </p:nvPr>
-        </p:nvSpPr>
-        <p:spPr/>
-        <p:txBody>
-          <a:bodyPr/>
-          <a:lstStyle/>
-          <a:p>
-            <a:endParaRPr lang="en-US" dirty="0"/>
+              <a:rPr lang="en-GB" altLang="en-US" sz="2400" dirty="0"/>
+              <a:t>Flowchart for Exercise 4</a:t>
+            </a:r>
+            <a:endParaRPr lang="en-GB" altLang="en-US" sz="2400" dirty="0"/>
+          </a:p>
+        </p:txBody>
+      </p:sp>
+      <p:sp>
+        <p:nvSpPr>
+          <p:cNvPr id="4" name="Flowchart: Terminator 3"/>
+          <p:cNvSpPr/>
+          <p:nvPr/>
+        </p:nvSpPr>
+        <p:spPr>
+          <a:xfrm>
+            <a:off x="5551805" y="0"/>
+            <a:ext cx="2290445" cy="773430"/>
+          </a:xfrm>
+          <a:prstGeom prst="flowChartTerminator">
+            <a:avLst/>
+          </a:prstGeom>
+          <a:solidFill>
+            <a:schemeClr val="accent6"/>
+          </a:solidFill>
+        </p:spPr>
+        <p:style>
+          <a:lnRef idx="2">
+            <a:schemeClr val="accent1">
+              <a:shade val="50000"/>
+            </a:schemeClr>
+          </a:lnRef>
+          <a:fillRef idx="1">
+            <a:schemeClr val="accent1"/>
+          </a:fillRef>
+          <a:effectRef idx="0">
+            <a:schemeClr val="accent1"/>
+          </a:effectRef>
+          <a:fontRef idx="minor">
+            <a:schemeClr val="lt1"/>
+          </a:fontRef>
+        </p:style>
+        <p:txBody>
+          <a:bodyPr rtlCol="0" anchor="ctr"/>
+          <a:p>
+            <a:pPr algn="ctr"/>
+            <a:endParaRPr lang="en-US"/>
+          </a:p>
+        </p:txBody>
+      </p:sp>
+      <p:cxnSp>
+        <p:nvCxnSpPr>
+          <p:cNvPr id="5" name="Straight Arrow Connector 4"/>
+          <p:cNvCxnSpPr>
+            <a:stCxn id="4" idx="2"/>
+          </p:cNvCxnSpPr>
+          <p:nvPr/>
+        </p:nvCxnSpPr>
+        <p:spPr>
+          <a:xfrm>
+            <a:off x="6697345" y="773430"/>
+            <a:ext cx="13970" cy="579120"/>
+          </a:xfrm>
+          <a:prstGeom prst="straightConnector1">
+            <a:avLst/>
+          </a:prstGeom>
+          <a:ln>
+            <a:solidFill>
+              <a:schemeClr val="tx1"/>
+            </a:solidFill>
+            <a:tailEnd type="arrow"/>
+          </a:ln>
+        </p:spPr>
+        <p:style>
+          <a:lnRef idx="1">
+            <a:schemeClr val="accent1"/>
+          </a:lnRef>
+          <a:fillRef idx="0">
+            <a:schemeClr val="accent1"/>
+          </a:fillRef>
+          <a:effectRef idx="0">
+            <a:schemeClr val="accent1"/>
+          </a:effectRef>
+          <a:fontRef idx="minor">
+            <a:schemeClr val="tx1"/>
+          </a:fontRef>
+        </p:style>
+      </p:cxnSp>
+      <p:sp>
+        <p:nvSpPr>
+          <p:cNvPr id="7" name="Parallelogram 6"/>
+          <p:cNvSpPr/>
+          <p:nvPr/>
+        </p:nvSpPr>
+        <p:spPr>
+          <a:xfrm>
+            <a:off x="5552440" y="1362075"/>
+            <a:ext cx="2289175" cy="687705"/>
+          </a:xfrm>
+          <a:prstGeom prst="parallelogram">
+            <a:avLst/>
+          </a:prstGeom>
+        </p:spPr>
+        <p:style>
+          <a:lnRef idx="2">
+            <a:schemeClr val="accent1">
+              <a:shade val="50000"/>
+            </a:schemeClr>
+          </a:lnRef>
+          <a:fillRef idx="1">
+            <a:schemeClr val="accent1"/>
+          </a:fillRef>
+          <a:effectRef idx="0">
+            <a:schemeClr val="accent1"/>
+          </a:effectRef>
+          <a:fontRef idx="minor">
+            <a:schemeClr val="lt1"/>
+          </a:fontRef>
+        </p:style>
+        <p:txBody>
+          <a:bodyPr rtlCol="0" anchor="ctr"/>
+          <a:p>
+            <a:pPr algn="ctr"/>
+            <a:endParaRPr lang="en-US"/>
+          </a:p>
+        </p:txBody>
+      </p:sp>
+      <p:sp>
+        <p:nvSpPr>
+          <p:cNvPr id="6" name="Parallelogram 5"/>
+          <p:cNvSpPr/>
+          <p:nvPr/>
+        </p:nvSpPr>
+        <p:spPr>
+          <a:xfrm>
+            <a:off x="5462270" y="2555240"/>
+            <a:ext cx="2289175" cy="687705"/>
+          </a:xfrm>
+          <a:prstGeom prst="parallelogram">
+            <a:avLst/>
+          </a:prstGeom>
+        </p:spPr>
+        <p:style>
+          <a:lnRef idx="2">
+            <a:schemeClr val="accent1">
+              <a:shade val="50000"/>
+            </a:schemeClr>
+          </a:lnRef>
+          <a:fillRef idx="1">
+            <a:schemeClr val="accent1"/>
+          </a:fillRef>
+          <a:effectRef idx="0">
+            <a:schemeClr val="accent1"/>
+          </a:effectRef>
+          <a:fontRef idx="minor">
+            <a:schemeClr val="lt1"/>
+          </a:fontRef>
+        </p:style>
+        <p:txBody>
+          <a:bodyPr rtlCol="0" anchor="ctr"/>
+          <a:p>
+            <a:pPr algn="ctr"/>
+            <a:endParaRPr lang="en-US"/>
+          </a:p>
+        </p:txBody>
+      </p:sp>
+      <p:sp>
+        <p:nvSpPr>
+          <p:cNvPr id="16" name="Flowchart: Process 15"/>
+          <p:cNvSpPr/>
+          <p:nvPr/>
+        </p:nvSpPr>
+        <p:spPr>
+          <a:xfrm>
+            <a:off x="5293360" y="3714115"/>
+            <a:ext cx="2461895" cy="629920"/>
+          </a:xfrm>
+          <a:prstGeom prst="flowChartProcess">
+            <a:avLst/>
+          </a:prstGeom>
+        </p:spPr>
+        <p:style>
+          <a:lnRef idx="2">
+            <a:schemeClr val="accent4">
+              <a:shade val="50000"/>
+            </a:schemeClr>
+          </a:lnRef>
+          <a:fillRef idx="1">
+            <a:schemeClr val="accent4"/>
+          </a:fillRef>
+          <a:effectRef idx="0">
+            <a:schemeClr val="accent4"/>
+          </a:effectRef>
+          <a:fontRef idx="minor">
+            <a:schemeClr val="lt1"/>
+          </a:fontRef>
+        </p:style>
+        <p:txBody>
+          <a:bodyPr rtlCol="0" anchor="ctr"/>
+          <a:p>
+            <a:pPr algn="ctr"/>
+            <a:endParaRPr lang="en-US"/>
+          </a:p>
+        </p:txBody>
+      </p:sp>
+      <p:sp>
+        <p:nvSpPr>
+          <p:cNvPr id="8" name="Parallelogram 7"/>
+          <p:cNvSpPr/>
+          <p:nvPr/>
+        </p:nvSpPr>
+        <p:spPr>
+          <a:xfrm>
+            <a:off x="4330065" y="4664710"/>
+            <a:ext cx="5067300" cy="687705"/>
+          </a:xfrm>
+          <a:prstGeom prst="parallelogram">
+            <a:avLst/>
+          </a:prstGeom>
+        </p:spPr>
+        <p:style>
+          <a:lnRef idx="2">
+            <a:schemeClr val="accent1">
+              <a:shade val="50000"/>
+            </a:schemeClr>
+          </a:lnRef>
+          <a:fillRef idx="1">
+            <a:schemeClr val="accent1"/>
+          </a:fillRef>
+          <a:effectRef idx="0">
+            <a:schemeClr val="accent1"/>
+          </a:effectRef>
+          <a:fontRef idx="minor">
+            <a:schemeClr val="lt1"/>
+          </a:fontRef>
+        </p:style>
+        <p:txBody>
+          <a:bodyPr rtlCol="0" anchor="ctr"/>
+          <a:p>
+            <a:pPr algn="ctr"/>
+            <a:endParaRPr lang="en-US"/>
+          </a:p>
+        </p:txBody>
+      </p:sp>
+      <p:sp>
+        <p:nvSpPr>
+          <p:cNvPr id="9" name="Flowchart: Terminator 8"/>
+          <p:cNvSpPr/>
+          <p:nvPr/>
+        </p:nvSpPr>
+        <p:spPr>
+          <a:xfrm>
+            <a:off x="5288915" y="5811520"/>
+            <a:ext cx="2290445" cy="773430"/>
+          </a:xfrm>
+          <a:prstGeom prst="flowChartTerminator">
+            <a:avLst/>
+          </a:prstGeom>
+          <a:solidFill>
+            <a:schemeClr val="accent6"/>
+          </a:solidFill>
+        </p:spPr>
+        <p:style>
+          <a:lnRef idx="2">
+            <a:schemeClr val="accent1">
+              <a:shade val="50000"/>
+            </a:schemeClr>
+          </a:lnRef>
+          <a:fillRef idx="1">
+            <a:schemeClr val="accent1"/>
+          </a:fillRef>
+          <a:effectRef idx="0">
+            <a:schemeClr val="accent1"/>
+          </a:effectRef>
+          <a:fontRef idx="minor">
+            <a:schemeClr val="lt1"/>
+          </a:fontRef>
+        </p:style>
+        <p:txBody>
+          <a:bodyPr rtlCol="0" anchor="ctr"/>
+          <a:p>
+            <a:pPr algn="ctr"/>
+            <a:endParaRPr lang="en-US"/>
+          </a:p>
+        </p:txBody>
+      </p:sp>
+      <p:cxnSp>
+        <p:nvCxnSpPr>
+          <p:cNvPr id="10" name="Straight Arrow Connector 9"/>
+          <p:cNvCxnSpPr/>
+          <p:nvPr/>
+        </p:nvCxnSpPr>
+        <p:spPr>
+          <a:xfrm>
+            <a:off x="6602730" y="2049780"/>
+            <a:ext cx="8255" cy="505460"/>
+          </a:xfrm>
+          <a:prstGeom prst="straightConnector1">
+            <a:avLst/>
+          </a:prstGeom>
+          <a:ln>
+            <a:solidFill>
+              <a:schemeClr val="tx1"/>
+            </a:solidFill>
+            <a:tailEnd type="arrow"/>
+          </a:ln>
+        </p:spPr>
+        <p:style>
+          <a:lnRef idx="1">
+            <a:schemeClr val="accent1"/>
+          </a:lnRef>
+          <a:fillRef idx="0">
+            <a:schemeClr val="accent1"/>
+          </a:fillRef>
+          <a:effectRef idx="0">
+            <a:schemeClr val="accent1"/>
+          </a:effectRef>
+          <a:fontRef idx="minor">
+            <a:schemeClr val="tx1"/>
+          </a:fontRef>
+        </p:style>
+      </p:cxnSp>
+      <p:cxnSp>
+        <p:nvCxnSpPr>
+          <p:cNvPr id="11" name="Straight Arrow Connector 10"/>
+          <p:cNvCxnSpPr/>
+          <p:nvPr/>
+        </p:nvCxnSpPr>
+        <p:spPr>
+          <a:xfrm>
+            <a:off x="6520180" y="3242945"/>
+            <a:ext cx="8255" cy="505460"/>
+          </a:xfrm>
+          <a:prstGeom prst="straightConnector1">
+            <a:avLst/>
+          </a:prstGeom>
+          <a:ln>
+            <a:solidFill>
+              <a:schemeClr val="tx1"/>
+            </a:solidFill>
+            <a:tailEnd type="arrow"/>
+          </a:ln>
+        </p:spPr>
+        <p:style>
+          <a:lnRef idx="1">
+            <a:schemeClr val="accent1"/>
+          </a:lnRef>
+          <a:fillRef idx="0">
+            <a:schemeClr val="accent1"/>
+          </a:fillRef>
+          <a:effectRef idx="0">
+            <a:schemeClr val="accent1"/>
+          </a:effectRef>
+          <a:fontRef idx="minor">
+            <a:schemeClr val="tx1"/>
+          </a:fontRef>
+        </p:style>
+      </p:cxnSp>
+      <p:cxnSp>
+        <p:nvCxnSpPr>
+          <p:cNvPr id="13" name="Straight Arrow Connector 12"/>
+          <p:cNvCxnSpPr/>
+          <p:nvPr/>
+        </p:nvCxnSpPr>
+        <p:spPr>
+          <a:xfrm flipH="1">
+            <a:off x="6496050" y="5352415"/>
+            <a:ext cx="7620" cy="467360"/>
+          </a:xfrm>
+          <a:prstGeom prst="straightConnector1">
+            <a:avLst/>
+          </a:prstGeom>
+          <a:ln>
+            <a:solidFill>
+              <a:schemeClr val="tx1"/>
+            </a:solidFill>
+            <a:tailEnd type="arrow"/>
+          </a:ln>
+        </p:spPr>
+        <p:style>
+          <a:lnRef idx="1">
+            <a:schemeClr val="accent1"/>
+          </a:lnRef>
+          <a:fillRef idx="0">
+            <a:schemeClr val="accent1"/>
+          </a:fillRef>
+          <a:effectRef idx="0">
+            <a:schemeClr val="accent1"/>
+          </a:effectRef>
+          <a:fontRef idx="minor">
+            <a:schemeClr val="tx1"/>
+          </a:fontRef>
+        </p:style>
+      </p:cxnSp>
+      <p:sp>
+        <p:nvSpPr>
+          <p:cNvPr id="14" name="Text Box 13"/>
+          <p:cNvSpPr txBox="1"/>
+          <p:nvPr/>
+        </p:nvSpPr>
+        <p:spPr>
+          <a:xfrm>
+            <a:off x="5593080" y="202565"/>
+            <a:ext cx="2162175" cy="368300"/>
+          </a:xfrm>
+          <a:prstGeom prst="rect">
+            <a:avLst/>
+          </a:prstGeom>
+          <a:noFill/>
+        </p:spPr>
+        <p:txBody>
+          <a:bodyPr wrap="square" rtlCol="0">
+            <a:spAutoFit/>
+          </a:bodyPr>
+          <a:p>
+            <a:pPr algn="ctr"/>
+            <a:r>
+              <a:rPr lang="en-GB" altLang="en-US"/>
+              <a:t>Start</a:t>
+            </a:r>
+            <a:endParaRPr lang="en-GB" altLang="en-US"/>
+          </a:p>
+        </p:txBody>
+      </p:sp>
+      <p:sp>
+        <p:nvSpPr>
+          <p:cNvPr id="15" name="Text Box 14"/>
+          <p:cNvSpPr txBox="1"/>
+          <p:nvPr/>
+        </p:nvSpPr>
+        <p:spPr>
+          <a:xfrm>
+            <a:off x="5751830" y="1539240"/>
+            <a:ext cx="1889760" cy="337185"/>
+          </a:xfrm>
+          <a:prstGeom prst="rect">
+            <a:avLst/>
+          </a:prstGeom>
+          <a:noFill/>
+        </p:spPr>
+        <p:txBody>
+          <a:bodyPr wrap="square" rtlCol="0">
+            <a:spAutoFit/>
+          </a:bodyPr>
+          <a:p>
+            <a:r>
+              <a:rPr lang="en-GB" altLang="en-US" sz="1600"/>
+              <a:t>Input distance in Km</a:t>
+            </a:r>
+            <a:endParaRPr lang="en-GB" altLang="en-US" sz="1600"/>
+          </a:p>
+        </p:txBody>
+      </p:sp>
+      <p:sp>
+        <p:nvSpPr>
+          <p:cNvPr id="18" name="Text Box 17"/>
+          <p:cNvSpPr txBox="1"/>
+          <p:nvPr/>
+        </p:nvSpPr>
+        <p:spPr>
+          <a:xfrm>
+            <a:off x="5661660" y="2730500"/>
+            <a:ext cx="1889760" cy="337185"/>
+          </a:xfrm>
+          <a:prstGeom prst="rect">
+            <a:avLst/>
+          </a:prstGeom>
+          <a:noFill/>
+        </p:spPr>
+        <p:txBody>
+          <a:bodyPr wrap="square" rtlCol="0">
+            <a:spAutoFit/>
+          </a:bodyPr>
+          <a:p>
+            <a:r>
+              <a:rPr lang="en-GB" altLang="en-US" sz="1600"/>
+              <a:t>Input time in hr</a:t>
+            </a:r>
+            <a:endParaRPr lang="en-GB" altLang="en-US" sz="1600"/>
+          </a:p>
+        </p:txBody>
+      </p:sp>
+      <p:sp>
+        <p:nvSpPr>
+          <p:cNvPr id="19" name="Text Box 18"/>
+          <p:cNvSpPr txBox="1"/>
+          <p:nvPr/>
+        </p:nvSpPr>
+        <p:spPr>
+          <a:xfrm>
+            <a:off x="5488940" y="3860800"/>
+            <a:ext cx="2152650" cy="337185"/>
+          </a:xfrm>
+          <a:prstGeom prst="rect">
+            <a:avLst/>
+          </a:prstGeom>
+          <a:noFill/>
+        </p:spPr>
+        <p:txBody>
+          <a:bodyPr wrap="square" rtlCol="0">
+            <a:spAutoFit/>
+          </a:bodyPr>
+          <a:p>
+            <a:r>
+              <a:rPr lang="en-GB" altLang="en-US" sz="1600"/>
+              <a:t>Speed = distance / time</a:t>
+            </a:r>
+            <a:endParaRPr lang="en-GB" altLang="en-US" sz="1600"/>
+          </a:p>
+        </p:txBody>
+      </p:sp>
+      <p:sp>
+        <p:nvSpPr>
+          <p:cNvPr id="20" name="Text Box 19"/>
+          <p:cNvSpPr txBox="1"/>
+          <p:nvPr/>
+        </p:nvSpPr>
+        <p:spPr>
+          <a:xfrm>
+            <a:off x="4485005" y="4839970"/>
+            <a:ext cx="4686935" cy="583565"/>
+          </a:xfrm>
+          <a:prstGeom prst="rect">
+            <a:avLst/>
+          </a:prstGeom>
+          <a:noFill/>
+        </p:spPr>
+        <p:txBody>
+          <a:bodyPr wrap="square" rtlCol="0">
+            <a:spAutoFit/>
+          </a:bodyPr>
+          <a:p>
+            <a:r>
+              <a:rPr lang="en-GB" altLang="en-US" sz="1600"/>
+              <a:t>Print  ‘The object is travelling in ’ , speed, ‘Miles per hour</a:t>
+            </a:r>
+            <a:r>
+              <a:rPr lang="en-GB" altLang="en-US" sz="1400"/>
+              <a:t> </a:t>
+            </a:r>
+            <a:endParaRPr lang="en-GB" altLang="en-US" sz="1400"/>
+          </a:p>
+        </p:txBody>
+      </p:sp>
+      <p:sp>
+        <p:nvSpPr>
+          <p:cNvPr id="21" name="Text Box 20"/>
+          <p:cNvSpPr txBox="1"/>
+          <p:nvPr/>
+        </p:nvSpPr>
+        <p:spPr>
+          <a:xfrm>
+            <a:off x="5353050" y="6014085"/>
+            <a:ext cx="2162175" cy="368300"/>
+          </a:xfrm>
+          <a:prstGeom prst="rect">
+            <a:avLst/>
+          </a:prstGeom>
+          <a:noFill/>
+        </p:spPr>
+        <p:txBody>
+          <a:bodyPr wrap="square" rtlCol="0">
+            <a:spAutoFit/>
+          </a:bodyPr>
+          <a:p>
+            <a:pPr algn="ctr"/>
+            <a:r>
+              <a:rPr lang="en-GB" altLang="en-US"/>
+              <a:t>End</a:t>
+            </a:r>
+            <a:endParaRPr lang="en-GB" altLang="en-US"/>
           </a:p>
         </p:txBody>
       </p:sp>
     </p:spTree>
-    <p:extLst>
-      <p:ext uri="{BB962C8B-B14F-4D97-AF65-F5344CB8AC3E}">
-        <p14:creationId xmlns:p14="http://schemas.microsoft.com/office/powerpoint/2010/main" val="2699759838"/>
-      </p:ext>
-    </p:extLst>
   </p:cSld>
   <p:clrMapOvr>
     <a:masterClrMapping/>
@@ -3888,7 +7566,7 @@
     </a:clrScheme>
     <a:fontScheme name="Office">
       <a:majorFont>
-        <a:latin typeface="Calibri Light" panose="020F0302020204030204"/>
+        <a:latin typeface="Calibri Light"/>
         <a:ea typeface=""/>
         <a:cs typeface=""/>
         <a:font script="Jpan" typeface="游ゴシック Light"/>
@@ -3923,7 +7601,7 @@
         <a:font script="Geor" typeface="Sylfaen"/>
       </a:majorFont>
       <a:minorFont>
-        <a:latin typeface="Calibri" panose="020F0502020204030204"/>
+        <a:latin typeface="Calibri"/>
         <a:ea typeface=""/>
         <a:cs typeface=""/>
         <a:font script="Jpan" typeface="游ゴシック"/>
@@ -4096,8 +7774,6 @@
       </a:bgFillStyleLst>
     </a:fmtScheme>
   </a:themeElements>
-  <a:objectDefaults/>
-  <a:extraClrSchemeLst/>
   <a:extLst>
     <a:ext uri="{05A4C25C-085E-4340-85A3-A5531E510DB2}">
       <thm15:themeFamily xmlns:thm15="http://schemas.microsoft.com/office/thememl/2012/main" name="Office Theme" id="{62F939B6-93AF-4DB8-9C6B-D6C7DFDC589F}" vid="{4A3C46E8-61CC-4603-A589-7422A47A8E4A}"/>
